--- a/Presentation-Data Set Findings.pptx
+++ b/Presentation-Data Set Findings.pptx
@@ -4,6 +4,12 @@
   <p:sldMasterIdLst>
     <p:sldMasterId id="2147483687" r:id="rId1"/>
   </p:sldMasterIdLst>
+  <p:notesMasterIdLst>
+    <p:notesMasterId r:id="rId10"/>
+  </p:notesMasterIdLst>
+  <p:handoutMasterIdLst>
+    <p:handoutMasterId r:id="rId11"/>
+  </p:handoutMasterIdLst>
   <p:sldIdLst>
     <p:sldId id="256" r:id="rId2"/>
     <p:sldId id="257" r:id="rId3"/>
@@ -11,6 +17,8 @@
     <p:sldId id="259" r:id="rId5"/>
     <p:sldId id="260" r:id="rId6"/>
     <p:sldId id="261" r:id="rId7"/>
+    <p:sldId id="262" r:id="rId8"/>
+    <p:sldId id="263" r:id="rId9"/>
   </p:sldIdLst>
   <p:sldSz cx="12192000" cy="6858000"/>
   <p:notesSz cx="6858000" cy="9144000"/>
@@ -110,6 +118,689 @@
     </a:lvl9pPr>
   </p:defaultTextStyle>
 </p:presentation>
+</file>
+
+<file path=ppt/handoutMasters/handoutMaster1.xml><?xml version="1.0" encoding="utf-8"?>
+<p:handoutMaster xmlns:a="http://schemas.openxmlformats.org/drawingml/2006/main" xmlns:r="http://schemas.openxmlformats.org/officeDocument/2006/relationships" xmlns:p="http://schemas.openxmlformats.org/presentationml/2006/main">
+  <p:cSld>
+    <p:bg>
+      <p:bgRef idx="1001">
+        <a:schemeClr val="bg1"/>
+      </p:bgRef>
+    </p:bg>
+    <p:spTree>
+      <p:nvGrpSpPr>
+        <p:cNvPr id="1" name=""/>
+        <p:cNvGrpSpPr/>
+        <p:nvPr/>
+      </p:nvGrpSpPr>
+      <p:grpSpPr>
+        <a:xfrm>
+          <a:off x="0" y="0"/>
+          <a:ext cx="0" cy="0"/>
+          <a:chOff x="0" y="0"/>
+          <a:chExt cx="0" cy="0"/>
+        </a:xfrm>
+      </p:grpSpPr>
+      <p:sp>
+        <p:nvSpPr>
+          <p:cNvPr id="2" name="Header Placeholder 1"/>
+          <p:cNvSpPr>
+            <a:spLocks noGrp="1"/>
+          </p:cNvSpPr>
+          <p:nvPr>
+            <p:ph type="hdr" sz="quarter"/>
+          </p:nvPr>
+        </p:nvSpPr>
+        <p:spPr>
+          <a:xfrm>
+            <a:off x="0" y="0"/>
+            <a:ext cx="2971800" cy="458788"/>
+          </a:xfrm>
+          <a:prstGeom prst="rect">
+            <a:avLst/>
+          </a:prstGeom>
+        </p:spPr>
+        <p:txBody>
+          <a:bodyPr vert="horz" lIns="91440" tIns="45720" rIns="91440" bIns="45720" rtlCol="0"/>
+          <a:lstStyle>
+            <a:lvl1pPr algn="l">
+              <a:defRPr sz="1200"/>
+            </a:lvl1pPr>
+          </a:lstStyle>
+          <a:p>
+            <a:endParaRPr lang="en-US"/>
+          </a:p>
+        </p:txBody>
+      </p:sp>
+      <p:sp>
+        <p:nvSpPr>
+          <p:cNvPr id="3" name="Date Placeholder 2"/>
+          <p:cNvSpPr>
+            <a:spLocks noGrp="1"/>
+          </p:cNvSpPr>
+          <p:nvPr>
+            <p:ph type="dt" sz="quarter" idx="1"/>
+          </p:nvPr>
+        </p:nvSpPr>
+        <p:spPr>
+          <a:xfrm>
+            <a:off x="3884613" y="0"/>
+            <a:ext cx="2971800" cy="458788"/>
+          </a:xfrm>
+          <a:prstGeom prst="rect">
+            <a:avLst/>
+          </a:prstGeom>
+        </p:spPr>
+        <p:txBody>
+          <a:bodyPr vert="horz" lIns="91440" tIns="45720" rIns="91440" bIns="45720" rtlCol="0"/>
+          <a:lstStyle>
+            <a:lvl1pPr algn="r">
+              <a:defRPr sz="1200"/>
+            </a:lvl1pPr>
+          </a:lstStyle>
+          <a:p>
+            <a:fld id="{77CEC838-392D-4AD8-83DF-F391C188C042}" type="datetimeFigureOut">
+              <a:rPr lang="en-US" smtClean="0"/>
+              <a:t>5/21/2021</a:t>
+            </a:fld>
+            <a:endParaRPr lang="en-US"/>
+          </a:p>
+        </p:txBody>
+      </p:sp>
+      <p:sp>
+        <p:nvSpPr>
+          <p:cNvPr id="4" name="Footer Placeholder 3"/>
+          <p:cNvSpPr>
+            <a:spLocks noGrp="1"/>
+          </p:cNvSpPr>
+          <p:nvPr>
+            <p:ph type="ftr" sz="quarter" idx="2"/>
+          </p:nvPr>
+        </p:nvSpPr>
+        <p:spPr>
+          <a:xfrm>
+            <a:off x="0" y="8685213"/>
+            <a:ext cx="2971800" cy="458787"/>
+          </a:xfrm>
+          <a:prstGeom prst="rect">
+            <a:avLst/>
+          </a:prstGeom>
+        </p:spPr>
+        <p:txBody>
+          <a:bodyPr vert="horz" lIns="91440" tIns="45720" rIns="91440" bIns="45720" rtlCol="0" anchor="b"/>
+          <a:lstStyle>
+            <a:lvl1pPr algn="l">
+              <a:defRPr sz="1200"/>
+            </a:lvl1pPr>
+          </a:lstStyle>
+          <a:p>
+            <a:endParaRPr lang="en-US"/>
+          </a:p>
+        </p:txBody>
+      </p:sp>
+      <p:sp>
+        <p:nvSpPr>
+          <p:cNvPr id="5" name="Slide Number Placeholder 4"/>
+          <p:cNvSpPr>
+            <a:spLocks noGrp="1"/>
+          </p:cNvSpPr>
+          <p:nvPr>
+            <p:ph type="sldNum" sz="quarter" idx="3"/>
+          </p:nvPr>
+        </p:nvSpPr>
+        <p:spPr>
+          <a:xfrm>
+            <a:off x="3884613" y="8685213"/>
+            <a:ext cx="2971800" cy="458787"/>
+          </a:xfrm>
+          <a:prstGeom prst="rect">
+            <a:avLst/>
+          </a:prstGeom>
+        </p:spPr>
+        <p:txBody>
+          <a:bodyPr vert="horz" lIns="91440" tIns="45720" rIns="91440" bIns="45720" rtlCol="0" anchor="b"/>
+          <a:lstStyle>
+            <a:lvl1pPr algn="r">
+              <a:defRPr sz="1200"/>
+            </a:lvl1pPr>
+          </a:lstStyle>
+          <a:p>
+            <a:fld id="{72218CC2-13BF-4FC5-B395-05B5787F472C}" type="slidenum">
+              <a:rPr lang="en-US" smtClean="0"/>
+              <a:t>‹#›</a:t>
+            </a:fld>
+            <a:endParaRPr lang="en-US"/>
+          </a:p>
+        </p:txBody>
+      </p:sp>
+    </p:spTree>
+    <p:extLst>
+      <p:ext uri="{BB962C8B-B14F-4D97-AF65-F5344CB8AC3E}">
+        <p14:creationId xmlns:p14="http://schemas.microsoft.com/office/powerpoint/2010/main" val="1051586457"/>
+      </p:ext>
+    </p:extLst>
+  </p:cSld>
+  <p:clrMap bg1="lt1" tx1="dk1" bg2="lt2" tx2="dk2" accent1="accent1" accent2="accent2" accent3="accent3" accent4="accent4" accent5="accent5" accent6="accent6" hlink="hlink" folHlink="folHlink"/>
+</p:handoutMaster>
+</file>
+
+<file path=ppt/notesMasters/notesMaster1.xml><?xml version="1.0" encoding="utf-8"?>
+<p:notesMaster xmlns:a="http://schemas.openxmlformats.org/drawingml/2006/main" xmlns:r="http://schemas.openxmlformats.org/officeDocument/2006/relationships" xmlns:p="http://schemas.openxmlformats.org/presentationml/2006/main">
+  <p:cSld>
+    <p:bg>
+      <p:bgRef idx="1001">
+        <a:schemeClr val="bg1"/>
+      </p:bgRef>
+    </p:bg>
+    <p:spTree>
+      <p:nvGrpSpPr>
+        <p:cNvPr id="1" name=""/>
+        <p:cNvGrpSpPr/>
+        <p:nvPr/>
+      </p:nvGrpSpPr>
+      <p:grpSpPr>
+        <a:xfrm>
+          <a:off x="0" y="0"/>
+          <a:ext cx="0" cy="0"/>
+          <a:chOff x="0" y="0"/>
+          <a:chExt cx="0" cy="0"/>
+        </a:xfrm>
+      </p:grpSpPr>
+      <p:sp>
+        <p:nvSpPr>
+          <p:cNvPr id="2" name="Header Placeholder 1"/>
+          <p:cNvSpPr>
+            <a:spLocks noGrp="1"/>
+          </p:cNvSpPr>
+          <p:nvPr>
+            <p:ph type="hdr" sz="quarter"/>
+          </p:nvPr>
+        </p:nvSpPr>
+        <p:spPr>
+          <a:xfrm>
+            <a:off x="0" y="0"/>
+            <a:ext cx="2971800" cy="458788"/>
+          </a:xfrm>
+          <a:prstGeom prst="rect">
+            <a:avLst/>
+          </a:prstGeom>
+        </p:spPr>
+        <p:txBody>
+          <a:bodyPr vert="horz" lIns="91440" tIns="45720" rIns="91440" bIns="45720" rtlCol="0"/>
+          <a:lstStyle>
+            <a:lvl1pPr algn="l">
+              <a:defRPr sz="1200"/>
+            </a:lvl1pPr>
+          </a:lstStyle>
+          <a:p>
+            <a:endParaRPr lang="en-US"/>
+          </a:p>
+        </p:txBody>
+      </p:sp>
+      <p:sp>
+        <p:nvSpPr>
+          <p:cNvPr id="3" name="Date Placeholder 2"/>
+          <p:cNvSpPr>
+            <a:spLocks noGrp="1"/>
+          </p:cNvSpPr>
+          <p:nvPr>
+            <p:ph type="dt" idx="1"/>
+          </p:nvPr>
+        </p:nvSpPr>
+        <p:spPr>
+          <a:xfrm>
+            <a:off x="3884613" y="0"/>
+            <a:ext cx="2971800" cy="458788"/>
+          </a:xfrm>
+          <a:prstGeom prst="rect">
+            <a:avLst/>
+          </a:prstGeom>
+        </p:spPr>
+        <p:txBody>
+          <a:bodyPr vert="horz" lIns="91440" tIns="45720" rIns="91440" bIns="45720" rtlCol="0"/>
+          <a:lstStyle>
+            <a:lvl1pPr algn="r">
+              <a:defRPr sz="1200"/>
+            </a:lvl1pPr>
+          </a:lstStyle>
+          <a:p>
+            <a:fld id="{0FE95677-E567-4BDC-857E-274545C70542}" type="datetimeFigureOut">
+              <a:rPr lang="en-US" smtClean="0"/>
+              <a:t>5/20/2021</a:t>
+            </a:fld>
+            <a:endParaRPr lang="en-US"/>
+          </a:p>
+        </p:txBody>
+      </p:sp>
+      <p:sp>
+        <p:nvSpPr>
+          <p:cNvPr id="4" name="Slide Image Placeholder 3"/>
+          <p:cNvSpPr>
+            <a:spLocks noGrp="1" noRot="1" noChangeAspect="1"/>
+          </p:cNvSpPr>
+          <p:nvPr>
+            <p:ph type="sldImg" idx="2"/>
+          </p:nvPr>
+        </p:nvSpPr>
+        <p:spPr>
+          <a:xfrm>
+            <a:off x="685800" y="1143000"/>
+            <a:ext cx="5486400" cy="3086100"/>
+          </a:xfrm>
+          <a:prstGeom prst="rect">
+            <a:avLst/>
+          </a:prstGeom>
+          <a:noFill/>
+          <a:ln w="12700">
+            <a:solidFill>
+              <a:prstClr val="black"/>
+            </a:solidFill>
+          </a:ln>
+        </p:spPr>
+        <p:txBody>
+          <a:bodyPr vert="horz" lIns="91440" tIns="45720" rIns="91440" bIns="45720" rtlCol="0" anchor="ctr"/>
+          <a:lstStyle/>
+          <a:p>
+            <a:endParaRPr lang="en-US"/>
+          </a:p>
+        </p:txBody>
+      </p:sp>
+      <p:sp>
+        <p:nvSpPr>
+          <p:cNvPr id="5" name="Notes Placeholder 4"/>
+          <p:cNvSpPr>
+            <a:spLocks noGrp="1"/>
+          </p:cNvSpPr>
+          <p:nvPr>
+            <p:ph type="body" sz="quarter" idx="3"/>
+          </p:nvPr>
+        </p:nvSpPr>
+        <p:spPr>
+          <a:xfrm>
+            <a:off x="685800" y="4400550"/>
+            <a:ext cx="5486400" cy="3600450"/>
+          </a:xfrm>
+          <a:prstGeom prst="rect">
+            <a:avLst/>
+          </a:prstGeom>
+        </p:spPr>
+        <p:txBody>
+          <a:bodyPr vert="horz" lIns="91440" tIns="45720" rIns="91440" bIns="45720" rtlCol="0"/>
+          <a:lstStyle/>
+          <a:p>
+            <a:pPr lvl="0"/>
+            <a:r>
+              <a:rPr lang="en-US" smtClean="0"/>
+              <a:t>Click to edit Master text styles</a:t>
+            </a:r>
+          </a:p>
+          <a:p>
+            <a:pPr lvl="1"/>
+            <a:r>
+              <a:rPr lang="en-US" smtClean="0"/>
+              <a:t>Second level</a:t>
+            </a:r>
+          </a:p>
+          <a:p>
+            <a:pPr lvl="2"/>
+            <a:r>
+              <a:rPr lang="en-US" smtClean="0"/>
+              <a:t>Third level</a:t>
+            </a:r>
+          </a:p>
+          <a:p>
+            <a:pPr lvl="3"/>
+            <a:r>
+              <a:rPr lang="en-US" smtClean="0"/>
+              <a:t>Fourth level</a:t>
+            </a:r>
+          </a:p>
+          <a:p>
+            <a:pPr lvl="4"/>
+            <a:r>
+              <a:rPr lang="en-US" smtClean="0"/>
+              <a:t>Fifth level</a:t>
+            </a:r>
+            <a:endParaRPr lang="en-US"/>
+          </a:p>
+        </p:txBody>
+      </p:sp>
+      <p:sp>
+        <p:nvSpPr>
+          <p:cNvPr id="6" name="Footer Placeholder 5"/>
+          <p:cNvSpPr>
+            <a:spLocks noGrp="1"/>
+          </p:cNvSpPr>
+          <p:nvPr>
+            <p:ph type="ftr" sz="quarter" idx="4"/>
+          </p:nvPr>
+        </p:nvSpPr>
+        <p:spPr>
+          <a:xfrm>
+            <a:off x="0" y="8685213"/>
+            <a:ext cx="2971800" cy="458787"/>
+          </a:xfrm>
+          <a:prstGeom prst="rect">
+            <a:avLst/>
+          </a:prstGeom>
+        </p:spPr>
+        <p:txBody>
+          <a:bodyPr vert="horz" lIns="91440" tIns="45720" rIns="91440" bIns="45720" rtlCol="0" anchor="b"/>
+          <a:lstStyle>
+            <a:lvl1pPr algn="l">
+              <a:defRPr sz="1200"/>
+            </a:lvl1pPr>
+          </a:lstStyle>
+          <a:p>
+            <a:endParaRPr lang="en-US"/>
+          </a:p>
+        </p:txBody>
+      </p:sp>
+      <p:sp>
+        <p:nvSpPr>
+          <p:cNvPr id="7" name="Slide Number Placeholder 6"/>
+          <p:cNvSpPr>
+            <a:spLocks noGrp="1"/>
+          </p:cNvSpPr>
+          <p:nvPr>
+            <p:ph type="sldNum" sz="quarter" idx="5"/>
+          </p:nvPr>
+        </p:nvSpPr>
+        <p:spPr>
+          <a:xfrm>
+            <a:off x="3884613" y="8685213"/>
+            <a:ext cx="2971800" cy="458787"/>
+          </a:xfrm>
+          <a:prstGeom prst="rect">
+            <a:avLst/>
+          </a:prstGeom>
+        </p:spPr>
+        <p:txBody>
+          <a:bodyPr vert="horz" lIns="91440" tIns="45720" rIns="91440" bIns="45720" rtlCol="0" anchor="b"/>
+          <a:lstStyle>
+            <a:lvl1pPr algn="r">
+              <a:defRPr sz="1200"/>
+            </a:lvl1pPr>
+          </a:lstStyle>
+          <a:p>
+            <a:fld id="{5F351C05-D941-4B9E-B244-4139CB8297AC}" type="slidenum">
+              <a:rPr lang="en-US" smtClean="0"/>
+              <a:t>‹#›</a:t>
+            </a:fld>
+            <a:endParaRPr lang="en-US"/>
+          </a:p>
+        </p:txBody>
+      </p:sp>
+    </p:spTree>
+    <p:extLst>
+      <p:ext uri="{BB962C8B-B14F-4D97-AF65-F5344CB8AC3E}">
+        <p14:creationId xmlns:p14="http://schemas.microsoft.com/office/powerpoint/2010/main" val="3781849089"/>
+      </p:ext>
+    </p:extLst>
+  </p:cSld>
+  <p:clrMap bg1="lt1" tx1="dk1" bg2="lt2" tx2="dk2" accent1="accent1" accent2="accent2" accent3="accent3" accent4="accent4" accent5="accent5" accent6="accent6" hlink="hlink" folHlink="folHlink"/>
+  <p:notesStyle>
+    <a:lvl1pPr marL="0" algn="l" defTabSz="914400" rtl="0" eaLnBrk="1" latinLnBrk="0" hangingPunct="1">
+      <a:defRPr sz="1200" kern="1200">
+        <a:solidFill>
+          <a:schemeClr val="tx1"/>
+        </a:solidFill>
+        <a:latin typeface="+mn-lt"/>
+        <a:ea typeface="+mn-ea"/>
+        <a:cs typeface="+mn-cs"/>
+      </a:defRPr>
+    </a:lvl1pPr>
+    <a:lvl2pPr marL="457200" algn="l" defTabSz="914400" rtl="0" eaLnBrk="1" latinLnBrk="0" hangingPunct="1">
+      <a:defRPr sz="1200" kern="1200">
+        <a:solidFill>
+          <a:schemeClr val="tx1"/>
+        </a:solidFill>
+        <a:latin typeface="+mn-lt"/>
+        <a:ea typeface="+mn-ea"/>
+        <a:cs typeface="+mn-cs"/>
+      </a:defRPr>
+    </a:lvl2pPr>
+    <a:lvl3pPr marL="914400" algn="l" defTabSz="914400" rtl="0" eaLnBrk="1" latinLnBrk="0" hangingPunct="1">
+      <a:defRPr sz="1200" kern="1200">
+        <a:solidFill>
+          <a:schemeClr val="tx1"/>
+        </a:solidFill>
+        <a:latin typeface="+mn-lt"/>
+        <a:ea typeface="+mn-ea"/>
+        <a:cs typeface="+mn-cs"/>
+      </a:defRPr>
+    </a:lvl3pPr>
+    <a:lvl4pPr marL="1371600" algn="l" defTabSz="914400" rtl="0" eaLnBrk="1" latinLnBrk="0" hangingPunct="1">
+      <a:defRPr sz="1200" kern="1200">
+        <a:solidFill>
+          <a:schemeClr val="tx1"/>
+        </a:solidFill>
+        <a:latin typeface="+mn-lt"/>
+        <a:ea typeface="+mn-ea"/>
+        <a:cs typeface="+mn-cs"/>
+      </a:defRPr>
+    </a:lvl4pPr>
+    <a:lvl5pPr marL="1828800" algn="l" defTabSz="914400" rtl="0" eaLnBrk="1" latinLnBrk="0" hangingPunct="1">
+      <a:defRPr sz="1200" kern="1200">
+        <a:solidFill>
+          <a:schemeClr val="tx1"/>
+        </a:solidFill>
+        <a:latin typeface="+mn-lt"/>
+        <a:ea typeface="+mn-ea"/>
+        <a:cs typeface="+mn-cs"/>
+      </a:defRPr>
+    </a:lvl5pPr>
+    <a:lvl6pPr marL="2286000" algn="l" defTabSz="914400" rtl="0" eaLnBrk="1" latinLnBrk="0" hangingPunct="1">
+      <a:defRPr sz="1200" kern="1200">
+        <a:solidFill>
+          <a:schemeClr val="tx1"/>
+        </a:solidFill>
+        <a:latin typeface="+mn-lt"/>
+        <a:ea typeface="+mn-ea"/>
+        <a:cs typeface="+mn-cs"/>
+      </a:defRPr>
+    </a:lvl6pPr>
+    <a:lvl7pPr marL="2743200" algn="l" defTabSz="914400" rtl="0" eaLnBrk="1" latinLnBrk="0" hangingPunct="1">
+      <a:defRPr sz="1200" kern="1200">
+        <a:solidFill>
+          <a:schemeClr val="tx1"/>
+        </a:solidFill>
+        <a:latin typeface="+mn-lt"/>
+        <a:ea typeface="+mn-ea"/>
+        <a:cs typeface="+mn-cs"/>
+      </a:defRPr>
+    </a:lvl7pPr>
+    <a:lvl8pPr marL="3200400" algn="l" defTabSz="914400" rtl="0" eaLnBrk="1" latinLnBrk="0" hangingPunct="1">
+      <a:defRPr sz="1200" kern="1200">
+        <a:solidFill>
+          <a:schemeClr val="tx1"/>
+        </a:solidFill>
+        <a:latin typeface="+mn-lt"/>
+        <a:ea typeface="+mn-ea"/>
+        <a:cs typeface="+mn-cs"/>
+      </a:defRPr>
+    </a:lvl8pPr>
+    <a:lvl9pPr marL="3657600" algn="l" defTabSz="914400" rtl="0" eaLnBrk="1" latinLnBrk="0" hangingPunct="1">
+      <a:defRPr sz="1200" kern="1200">
+        <a:solidFill>
+          <a:schemeClr val="tx1"/>
+        </a:solidFill>
+        <a:latin typeface="+mn-lt"/>
+        <a:ea typeface="+mn-ea"/>
+        <a:cs typeface="+mn-cs"/>
+      </a:defRPr>
+    </a:lvl9pPr>
+  </p:notesStyle>
+</p:notesMaster>
+</file>
+
+<file path=ppt/notesSlides/notesSlide1.xml><?xml version="1.0" encoding="utf-8"?>
+<p:notes xmlns:a="http://schemas.openxmlformats.org/drawingml/2006/main" xmlns:r="http://schemas.openxmlformats.org/officeDocument/2006/relationships" xmlns:p="http://schemas.openxmlformats.org/presentationml/2006/main">
+  <p:cSld>
+    <p:spTree>
+      <p:nvGrpSpPr>
+        <p:cNvPr id="1" name=""/>
+        <p:cNvGrpSpPr/>
+        <p:nvPr/>
+      </p:nvGrpSpPr>
+      <p:grpSpPr>
+        <a:xfrm>
+          <a:off x="0" y="0"/>
+          <a:ext cx="0" cy="0"/>
+          <a:chOff x="0" y="0"/>
+          <a:chExt cx="0" cy="0"/>
+        </a:xfrm>
+      </p:grpSpPr>
+      <p:sp>
+        <p:nvSpPr>
+          <p:cNvPr id="2" name="Slide Image Placeholder 1"/>
+          <p:cNvSpPr>
+            <a:spLocks noGrp="1" noRot="1" noChangeAspect="1"/>
+          </p:cNvSpPr>
+          <p:nvPr>
+            <p:ph type="sldImg"/>
+          </p:nvPr>
+        </p:nvSpPr>
+        <p:spPr/>
+      </p:sp>
+      <p:sp>
+        <p:nvSpPr>
+          <p:cNvPr id="3" name="Notes Placeholder 2"/>
+          <p:cNvSpPr>
+            <a:spLocks noGrp="1"/>
+          </p:cNvSpPr>
+          <p:nvPr>
+            <p:ph type="body" idx="1"/>
+          </p:nvPr>
+        </p:nvSpPr>
+        <p:spPr/>
+        <p:txBody>
+          <a:bodyPr/>
+          <a:lstStyle/>
+          <a:p>
+            <a:endParaRPr lang="en-US"/>
+          </a:p>
+        </p:txBody>
+      </p:sp>
+      <p:sp>
+        <p:nvSpPr>
+          <p:cNvPr id="4" name="Slide Number Placeholder 3"/>
+          <p:cNvSpPr>
+            <a:spLocks noGrp="1"/>
+          </p:cNvSpPr>
+          <p:nvPr>
+            <p:ph type="sldNum" sz="quarter" idx="10"/>
+          </p:nvPr>
+        </p:nvSpPr>
+        <p:spPr/>
+        <p:txBody>
+          <a:bodyPr/>
+          <a:lstStyle/>
+          <a:p>
+            <a:fld id="{5F351C05-D941-4B9E-B244-4139CB8297AC}" type="slidenum">
+              <a:rPr lang="en-US" smtClean="0"/>
+              <a:t>1</a:t>
+            </a:fld>
+            <a:endParaRPr lang="en-US"/>
+          </a:p>
+        </p:txBody>
+      </p:sp>
+    </p:spTree>
+    <p:extLst>
+      <p:ext uri="{BB962C8B-B14F-4D97-AF65-F5344CB8AC3E}">
+        <p14:creationId xmlns:p14="http://schemas.microsoft.com/office/powerpoint/2010/main" val="2243828772"/>
+      </p:ext>
+    </p:extLst>
+  </p:cSld>
+  <p:clrMapOvr>
+    <a:masterClrMapping/>
+  </p:clrMapOvr>
+</p:notes>
+</file>
+
+<file path=ppt/notesSlides/notesSlide2.xml><?xml version="1.0" encoding="utf-8"?>
+<p:notes xmlns:a="http://schemas.openxmlformats.org/drawingml/2006/main" xmlns:r="http://schemas.openxmlformats.org/officeDocument/2006/relationships" xmlns:p="http://schemas.openxmlformats.org/presentationml/2006/main">
+  <p:cSld>
+    <p:spTree>
+      <p:nvGrpSpPr>
+        <p:cNvPr id="1" name=""/>
+        <p:cNvGrpSpPr/>
+        <p:nvPr/>
+      </p:nvGrpSpPr>
+      <p:grpSpPr>
+        <a:xfrm>
+          <a:off x="0" y="0"/>
+          <a:ext cx="0" cy="0"/>
+          <a:chOff x="0" y="0"/>
+          <a:chExt cx="0" cy="0"/>
+        </a:xfrm>
+      </p:grpSpPr>
+      <p:sp>
+        <p:nvSpPr>
+          <p:cNvPr id="2" name="Slide Image Placeholder 1"/>
+          <p:cNvSpPr>
+            <a:spLocks noGrp="1" noRot="1" noChangeAspect="1"/>
+          </p:cNvSpPr>
+          <p:nvPr>
+            <p:ph type="sldImg"/>
+          </p:nvPr>
+        </p:nvSpPr>
+        <p:spPr/>
+      </p:sp>
+      <p:sp>
+        <p:nvSpPr>
+          <p:cNvPr id="3" name="Notes Placeholder 2"/>
+          <p:cNvSpPr>
+            <a:spLocks noGrp="1"/>
+          </p:cNvSpPr>
+          <p:nvPr>
+            <p:ph type="body" idx="1"/>
+          </p:nvPr>
+        </p:nvSpPr>
+        <p:spPr/>
+        <p:txBody>
+          <a:bodyPr/>
+          <a:lstStyle/>
+          <a:p>
+            <a:endParaRPr lang="en-US"/>
+          </a:p>
+        </p:txBody>
+      </p:sp>
+      <p:sp>
+        <p:nvSpPr>
+          <p:cNvPr id="4" name="Slide Number Placeholder 3"/>
+          <p:cNvSpPr>
+            <a:spLocks noGrp="1"/>
+          </p:cNvSpPr>
+          <p:nvPr>
+            <p:ph type="sldNum" sz="quarter" idx="10"/>
+          </p:nvPr>
+        </p:nvSpPr>
+        <p:spPr/>
+        <p:txBody>
+          <a:bodyPr/>
+          <a:lstStyle/>
+          <a:p>
+            <a:fld id="{5F351C05-D941-4B9E-B244-4139CB8297AC}" type="slidenum">
+              <a:rPr lang="en-US" smtClean="0"/>
+              <a:t>2</a:t>
+            </a:fld>
+            <a:endParaRPr lang="en-US"/>
+          </a:p>
+        </p:txBody>
+      </p:sp>
+    </p:spTree>
+    <p:extLst>
+      <p:ext uri="{BB962C8B-B14F-4D97-AF65-F5344CB8AC3E}">
+        <p14:creationId xmlns:p14="http://schemas.microsoft.com/office/powerpoint/2010/main" val="50389170"/>
+      </p:ext>
+    </p:extLst>
+  </p:cSld>
+  <p:clrMapOvr>
+    <a:masterClrMapping/>
+  </p:clrMapOvr>
+</p:notes>
 </file>
 
 <file path=ppt/slideLayouts/slideLayout1.xml><?xml version="1.0" encoding="utf-8"?>
@@ -4392,9 +5083,9 @@
           <a:bodyPr/>
           <a:lstStyle/>
           <a:p>
-            <a:fld id="{48A87A34-81AB-432B-8DAE-1953F412C126}" type="datetimeFigureOut">
+            <a:fld id="{7BA5D6B9-734C-4CCC-9B46-36773DEE6CB2}" type="datetime1">
               <a:rPr lang="en-US" smtClean="0"/>
-              <a:t>5/20/2021</a:t>
+              <a:t>5/21/2021</a:t>
             </a:fld>
             <a:endParaRPr lang="en-US" dirty="0"/>
           </a:p>
@@ -4659,9 +5350,9 @@
           <a:bodyPr/>
           <a:lstStyle/>
           <a:p>
-            <a:fld id="{48A87A34-81AB-432B-8DAE-1953F412C126}" type="datetimeFigureOut">
+            <a:fld id="{0D442B7A-885E-4789-9641-EC89C1301C39}" type="datetime1">
               <a:rPr lang="en-US" smtClean="0"/>
-              <a:t>5/20/2021</a:t>
+              <a:t>5/21/2021</a:t>
             </a:fld>
             <a:endParaRPr lang="en-US" dirty="0"/>
           </a:p>
@@ -4855,9 +5546,9 @@
           <a:bodyPr/>
           <a:lstStyle/>
           <a:p>
-            <a:fld id="{48A87A34-81AB-432B-8DAE-1953F412C126}" type="datetimeFigureOut">
+            <a:fld id="{7EAA3FFC-ED6E-4E43-9506-3A32D39EF5D7}" type="datetime1">
               <a:rPr lang="en-US" smtClean="0"/>
-              <a:t>5/20/2021</a:t>
+              <a:t>5/21/2021</a:t>
             </a:fld>
             <a:endParaRPr lang="en-US" dirty="0"/>
           </a:p>
@@ -5118,9 +5809,9 @@
           <a:bodyPr/>
           <a:lstStyle/>
           <a:p>
-            <a:fld id="{48A87A34-81AB-432B-8DAE-1953F412C126}" type="datetimeFigureOut">
+            <a:fld id="{847F902E-8BE7-42D3-B413-B1CCB6D9CD6A}" type="datetime1">
               <a:rPr lang="en-US" smtClean="0"/>
-              <a:t>5/20/2021</a:t>
+              <a:t>5/21/2021</a:t>
             </a:fld>
             <a:endParaRPr lang="en-US" dirty="0"/>
           </a:p>
@@ -5552,9 +6243,9 @@
           <a:bodyPr/>
           <a:lstStyle/>
           <a:p>
-            <a:fld id="{48A87A34-81AB-432B-8DAE-1953F412C126}" type="datetimeFigureOut">
+            <a:fld id="{C5C4F6D5-0518-4186-99AA-6361827A5293}" type="datetime1">
               <a:rPr lang="en-US" smtClean="0"/>
-              <a:t>5/20/2021</a:t>
+              <a:t>5/21/2021</a:t>
             </a:fld>
             <a:endParaRPr lang="en-US" dirty="0"/>
           </a:p>
@@ -6098,9 +6789,9 @@
           <a:bodyPr/>
           <a:lstStyle/>
           <a:p>
-            <a:fld id="{48A87A34-81AB-432B-8DAE-1953F412C126}" type="datetimeFigureOut">
+            <a:fld id="{0A3E5684-3A57-4FFD-A4CF-36AEA8B0E86A}" type="datetime1">
               <a:rPr lang="en-US" smtClean="0"/>
-              <a:t>5/20/2021</a:t>
+              <a:t>5/21/2021</a:t>
             </a:fld>
             <a:endParaRPr lang="en-US" dirty="0"/>
           </a:p>
@@ -6818,9 +7509,9 @@
           <a:bodyPr/>
           <a:lstStyle/>
           <a:p>
-            <a:fld id="{48A87A34-81AB-432B-8DAE-1953F412C126}" type="datetimeFigureOut">
+            <a:fld id="{74F8EBE9-B29E-4951-ACEE-293E265AED2E}" type="datetime1">
               <a:rPr lang="en-US" smtClean="0"/>
-              <a:t>5/20/2021</a:t>
+              <a:t>5/21/2021</a:t>
             </a:fld>
             <a:endParaRPr lang="en-US" dirty="0"/>
           </a:p>
@@ -6988,9 +7679,9 @@
           <a:bodyPr/>
           <a:lstStyle/>
           <a:p>
-            <a:fld id="{48A87A34-81AB-432B-8DAE-1953F412C126}" type="datetimeFigureOut">
+            <a:fld id="{558E811D-D65B-4CC3-9175-7C7442551D7C}" type="datetime1">
               <a:rPr lang="en-US" smtClean="0"/>
-              <a:t>5/20/2021</a:t>
+              <a:t>5/21/2021</a:t>
             </a:fld>
             <a:endParaRPr lang="en-US" dirty="0"/>
           </a:p>
@@ -7168,9 +7859,9 @@
           <a:bodyPr/>
           <a:lstStyle/>
           <a:p>
-            <a:fld id="{48A87A34-81AB-432B-8DAE-1953F412C126}" type="datetimeFigureOut">
+            <a:fld id="{F7FF8D61-C862-4B3D-8CAC-82F3EACE6671}" type="datetime1">
               <a:rPr lang="en-US" smtClean="0"/>
-              <a:t>5/20/2021</a:t>
+              <a:t>5/21/2021</a:t>
             </a:fld>
             <a:endParaRPr lang="en-US" dirty="0"/>
           </a:p>
@@ -7338,9 +8029,9 @@
           <a:bodyPr/>
           <a:lstStyle/>
           <a:p>
-            <a:fld id="{48A87A34-81AB-432B-8DAE-1953F412C126}" type="datetimeFigureOut">
+            <a:fld id="{0C402883-772A-4BE9-91DE-0AE304683344}" type="datetime1">
               <a:rPr lang="en-US" smtClean="0"/>
-              <a:t>5/20/2021</a:t>
+              <a:t>5/21/2021</a:t>
             </a:fld>
             <a:endParaRPr lang="en-US" dirty="0"/>
           </a:p>
@@ -7588,9 +8279,9 @@
           <a:bodyPr/>
           <a:lstStyle/>
           <a:p>
-            <a:fld id="{48A87A34-81AB-432B-8DAE-1953F412C126}" type="datetimeFigureOut">
+            <a:fld id="{E15352C4-A9BD-4D1B-9B1F-EBE6BFFA6468}" type="datetime1">
               <a:rPr lang="en-US" smtClean="0"/>
-              <a:t>5/20/2021</a:t>
+              <a:t>5/21/2021</a:t>
             </a:fld>
             <a:endParaRPr lang="en-US" dirty="0"/>
           </a:p>
@@ -7820,9 +8511,9 @@
           <a:bodyPr/>
           <a:lstStyle/>
           <a:p>
-            <a:fld id="{48A87A34-81AB-432B-8DAE-1953F412C126}" type="datetimeFigureOut">
+            <a:fld id="{03A75C95-A15B-483F-A569-C2F4B3133749}" type="datetime1">
               <a:rPr lang="en-US" smtClean="0"/>
-              <a:t>5/20/2021</a:t>
+              <a:t>5/21/2021</a:t>
             </a:fld>
             <a:endParaRPr lang="en-US" dirty="0"/>
           </a:p>
@@ -8201,9 +8892,9 @@
           <a:bodyPr/>
           <a:lstStyle/>
           <a:p>
-            <a:fld id="{48A87A34-81AB-432B-8DAE-1953F412C126}" type="datetimeFigureOut">
+            <a:fld id="{859BEB30-E789-4BBB-A4F8-3FC9AF69F694}" type="datetime1">
               <a:rPr lang="en-US" smtClean="0"/>
-              <a:t>5/20/2021</a:t>
+              <a:t>5/21/2021</a:t>
             </a:fld>
             <a:endParaRPr lang="en-US" dirty="0"/>
           </a:p>
@@ -8319,9 +9010,9 @@
           <a:bodyPr/>
           <a:lstStyle/>
           <a:p>
-            <a:fld id="{48A87A34-81AB-432B-8DAE-1953F412C126}" type="datetimeFigureOut">
+            <a:fld id="{D01A6179-A6DC-4D9C-B694-B9EA579D986F}" type="datetime1">
               <a:rPr lang="en-US" smtClean="0"/>
-              <a:t>5/20/2021</a:t>
+              <a:t>5/21/2021</a:t>
             </a:fld>
             <a:endParaRPr lang="en-US" dirty="0"/>
           </a:p>
@@ -8414,9 +9105,9 @@
           <a:bodyPr/>
           <a:lstStyle/>
           <a:p>
-            <a:fld id="{48A87A34-81AB-432B-8DAE-1953F412C126}" type="datetimeFigureOut">
+            <a:fld id="{AB3C8F19-D135-431C-9794-2584AF0E14FF}" type="datetime1">
               <a:rPr lang="en-US" smtClean="0"/>
-              <a:t>5/20/2021</a:t>
+              <a:t>5/21/2021</a:t>
             </a:fld>
             <a:endParaRPr lang="en-US" dirty="0"/>
           </a:p>
@@ -8663,9 +9354,9 @@
           <a:bodyPr/>
           <a:lstStyle/>
           <a:p>
-            <a:fld id="{48A87A34-81AB-432B-8DAE-1953F412C126}" type="datetimeFigureOut">
+            <a:fld id="{5154E006-8994-4282-91F8-AF5F5CB86B71}" type="datetime1">
               <a:rPr lang="en-US" smtClean="0"/>
-              <a:t>5/20/2021</a:t>
+              <a:t>5/21/2021</a:t>
             </a:fld>
             <a:endParaRPr lang="en-US" dirty="0"/>
           </a:p>
@@ -8943,9 +9634,9 @@
           <a:bodyPr/>
           <a:lstStyle/>
           <a:p>
-            <a:fld id="{48A87A34-81AB-432B-8DAE-1953F412C126}" type="datetimeFigureOut">
+            <a:fld id="{A90FA6C5-081B-4B18-ADB3-CA61DFE9D065}" type="datetime1">
               <a:rPr lang="en-US" smtClean="0"/>
-              <a:t>5/20/2021</a:t>
+              <a:t>5/21/2021</a:t>
             </a:fld>
             <a:endParaRPr lang="en-US" dirty="0"/>
           </a:p>
@@ -12010,10 +12701,9 @@
             </a:lvl1pPr>
           </a:lstStyle>
           <a:p>
-            <a:fld id="{48A87A34-81AB-432B-8DAE-1953F412C126}" type="datetimeFigureOut">
+            <a:fld id="{BD0F0480-B041-4636-8D8F-8788AFE0B719}" type="datetime1">
               <a:rPr lang="en-US" smtClean="0"/>
-              <a:pPr/>
-              <a:t>5/20/2021</a:t>
+              <a:t>5/21/2021</a:t>
             </a:fld>
             <a:endParaRPr lang="en-US" dirty="0"/>
           </a:p>
@@ -12125,6 +12815,7 @@
     <p:sldLayoutId id="2147483703" r:id="rId16"/>
     <p:sldLayoutId id="2147483704" r:id="rId17"/>
   </p:sldLayoutIdLst>
+  <p:hf hdr="0"/>
   <p:txStyles>
     <p:titleStyle>
       <a:lvl1pPr algn="l" defTabSz="914400" rtl="0" eaLnBrk="1" latinLnBrk="0" hangingPunct="1">
@@ -12480,6 +13171,63 @@
           </a:p>
         </p:txBody>
       </p:sp>
+      <p:sp>
+        <p:nvSpPr>
+          <p:cNvPr id="12" name="Footer Placeholder 7"/>
+          <p:cNvSpPr>
+            <a:spLocks noGrp="1"/>
+          </p:cNvSpPr>
+          <p:nvPr>
+            <p:ph type="ftr" sz="quarter" idx="11"/>
+          </p:nvPr>
+        </p:nvSpPr>
+        <p:spPr>
+          <a:xfrm>
+            <a:off x="67986" y="6408061"/>
+            <a:ext cx="925928" cy="365125"/>
+          </a:xfrm>
+        </p:spPr>
+        <p:txBody>
+          <a:bodyPr/>
+          <a:lstStyle/>
+          <a:p>
+            <a:fld id="{D7EE79A3-D0F4-4713-B590-7B8664CEA6FA}" type="datetime1">
+              <a:rPr lang="en-US"/>
+              <a:pPr/>
+              <a:t>5/21/2021</a:t>
+            </a:fld>
+            <a:endParaRPr lang="en-US" dirty="0"/>
+          </a:p>
+        </p:txBody>
+      </p:sp>
+      <p:sp>
+        <p:nvSpPr>
+          <p:cNvPr id="13" name="Slide Number Placeholder 8"/>
+          <p:cNvSpPr>
+            <a:spLocks noGrp="1"/>
+          </p:cNvSpPr>
+          <p:nvPr>
+            <p:ph type="sldNum" sz="quarter" idx="12"/>
+          </p:nvPr>
+        </p:nvSpPr>
+        <p:spPr>
+          <a:xfrm>
+            <a:off x="11302039" y="6408060"/>
+            <a:ext cx="771089" cy="365125"/>
+          </a:xfrm>
+        </p:spPr>
+        <p:txBody>
+          <a:bodyPr/>
+          <a:lstStyle/>
+          <a:p>
+            <a:r>
+              <a:rPr lang="en-US" dirty="0"/>
+              <a:t>1</a:t>
+            </a:r>
+            <a:endParaRPr lang="en-US" dirty="0"/>
+          </a:p>
+        </p:txBody>
+      </p:sp>
     </p:spTree>
     <p:extLst>
       <p:ext uri="{BB962C8B-B14F-4D97-AF65-F5344CB8AC3E}">
@@ -12566,6 +13314,63 @@
             </a:r>
           </a:p>
           <a:p>
+            <a:endParaRPr lang="en-US" dirty="0"/>
+          </a:p>
+        </p:txBody>
+      </p:sp>
+      <p:sp>
+        <p:nvSpPr>
+          <p:cNvPr id="8" name="Footer Placeholder 7"/>
+          <p:cNvSpPr>
+            <a:spLocks noGrp="1"/>
+          </p:cNvSpPr>
+          <p:nvPr>
+            <p:ph type="ftr" sz="quarter" idx="11"/>
+          </p:nvPr>
+        </p:nvSpPr>
+        <p:spPr>
+          <a:xfrm>
+            <a:off x="67986" y="6408061"/>
+            <a:ext cx="925928" cy="365125"/>
+          </a:xfrm>
+        </p:spPr>
+        <p:txBody>
+          <a:bodyPr/>
+          <a:lstStyle/>
+          <a:p>
+            <a:fld id="{D7EE79A3-D0F4-4713-B590-7B8664CEA6FA}" type="datetime1">
+              <a:rPr lang="en-US"/>
+              <a:pPr/>
+              <a:t>5/21/2021</a:t>
+            </a:fld>
+            <a:endParaRPr lang="en-US" dirty="0"/>
+          </a:p>
+        </p:txBody>
+      </p:sp>
+      <p:sp>
+        <p:nvSpPr>
+          <p:cNvPr id="9" name="Slide Number Placeholder 8"/>
+          <p:cNvSpPr>
+            <a:spLocks noGrp="1"/>
+          </p:cNvSpPr>
+          <p:nvPr>
+            <p:ph type="sldNum" sz="quarter" idx="12"/>
+          </p:nvPr>
+        </p:nvSpPr>
+        <p:spPr>
+          <a:xfrm>
+            <a:off x="11302039" y="6408060"/>
+            <a:ext cx="771089" cy="365125"/>
+          </a:xfrm>
+        </p:spPr>
+        <p:txBody>
+          <a:bodyPr/>
+          <a:lstStyle/>
+          <a:p>
+            <a:fld id="{6D22F896-40B5-4ADD-8801-0D06FADFA095}" type="slidenum">
+              <a:rPr lang="en-US" smtClean="0"/>
+              <a:t>2</a:t>
+            </a:fld>
             <a:endParaRPr lang="en-US" dirty="0"/>
           </a:p>
         </p:txBody>
@@ -12682,7 +13487,7 @@
         </p:blipFill>
         <p:spPr>
           <a:xfrm>
-            <a:off x="1369294" y="4902395"/>
+            <a:off x="1391744" y="4813012"/>
             <a:ext cx="9023062" cy="1777611"/>
           </a:xfrm>
           <a:prstGeom prst="rect">
@@ -12690,6 +13495,160 @@
           </a:prstGeom>
         </p:spPr>
       </p:pic>
+      <p:sp>
+        <p:nvSpPr>
+          <p:cNvPr id="11" name="Footer Placeholder 7"/>
+          <p:cNvSpPr txBox="1">
+            <a:spLocks/>
+          </p:cNvSpPr>
+          <p:nvPr/>
+        </p:nvSpPr>
+        <p:spPr>
+          <a:xfrm>
+            <a:off x="67986" y="6408061"/>
+            <a:ext cx="925928" cy="365125"/>
+          </a:xfrm>
+          <a:prstGeom prst="rect">
+            <a:avLst/>
+          </a:prstGeom>
+        </p:spPr>
+        <p:txBody>
+          <a:bodyPr vert="horz" lIns="91440" tIns="45720" rIns="91440" bIns="45720" rtlCol="0" anchor="ctr"/>
+          <a:lstStyle>
+            <a:defPPr>
+              <a:defRPr lang="en-US"/>
+            </a:defPPr>
+            <a:lvl1pPr marL="0" algn="l" defTabSz="457200" rtl="0" eaLnBrk="1" latinLnBrk="0" hangingPunct="1">
+              <a:defRPr sz="1050" kern="1200" cap="all" baseline="0">
+                <a:solidFill>
+                  <a:schemeClr val="tx1">
+                    <a:tint val="75000"/>
+                  </a:schemeClr>
+                </a:solidFill>
+                <a:latin typeface="+mn-lt"/>
+                <a:ea typeface="+mn-ea"/>
+                <a:cs typeface="+mn-cs"/>
+              </a:defRPr>
+            </a:lvl1pPr>
+            <a:lvl2pPr marL="457200" algn="l" defTabSz="457200" rtl="0" eaLnBrk="1" latinLnBrk="0" hangingPunct="1">
+              <a:defRPr sz="1800" kern="1200">
+                <a:solidFill>
+                  <a:schemeClr val="tx1"/>
+                </a:solidFill>
+                <a:latin typeface="+mn-lt"/>
+                <a:ea typeface="+mn-ea"/>
+                <a:cs typeface="+mn-cs"/>
+              </a:defRPr>
+            </a:lvl2pPr>
+            <a:lvl3pPr marL="914400" algn="l" defTabSz="457200" rtl="0" eaLnBrk="1" latinLnBrk="0" hangingPunct="1">
+              <a:defRPr sz="1800" kern="1200">
+                <a:solidFill>
+                  <a:schemeClr val="tx1"/>
+                </a:solidFill>
+                <a:latin typeface="+mn-lt"/>
+                <a:ea typeface="+mn-ea"/>
+                <a:cs typeface="+mn-cs"/>
+              </a:defRPr>
+            </a:lvl3pPr>
+            <a:lvl4pPr marL="1371600" algn="l" defTabSz="457200" rtl="0" eaLnBrk="1" latinLnBrk="0" hangingPunct="1">
+              <a:defRPr sz="1800" kern="1200">
+                <a:solidFill>
+                  <a:schemeClr val="tx1"/>
+                </a:solidFill>
+                <a:latin typeface="+mn-lt"/>
+                <a:ea typeface="+mn-ea"/>
+                <a:cs typeface="+mn-cs"/>
+              </a:defRPr>
+            </a:lvl4pPr>
+            <a:lvl5pPr marL="1828800" algn="l" defTabSz="457200" rtl="0" eaLnBrk="1" latinLnBrk="0" hangingPunct="1">
+              <a:defRPr sz="1800" kern="1200">
+                <a:solidFill>
+                  <a:schemeClr val="tx1"/>
+                </a:solidFill>
+                <a:latin typeface="+mn-lt"/>
+                <a:ea typeface="+mn-ea"/>
+                <a:cs typeface="+mn-cs"/>
+              </a:defRPr>
+            </a:lvl5pPr>
+            <a:lvl6pPr marL="2286000" algn="l" defTabSz="457200" rtl="0" eaLnBrk="1" latinLnBrk="0" hangingPunct="1">
+              <a:defRPr sz="1800" kern="1200">
+                <a:solidFill>
+                  <a:schemeClr val="tx1"/>
+                </a:solidFill>
+                <a:latin typeface="+mn-lt"/>
+                <a:ea typeface="+mn-ea"/>
+                <a:cs typeface="+mn-cs"/>
+              </a:defRPr>
+            </a:lvl6pPr>
+            <a:lvl7pPr marL="2743200" algn="l" defTabSz="457200" rtl="0" eaLnBrk="1" latinLnBrk="0" hangingPunct="1">
+              <a:defRPr sz="1800" kern="1200">
+                <a:solidFill>
+                  <a:schemeClr val="tx1"/>
+                </a:solidFill>
+                <a:latin typeface="+mn-lt"/>
+                <a:ea typeface="+mn-ea"/>
+                <a:cs typeface="+mn-cs"/>
+              </a:defRPr>
+            </a:lvl7pPr>
+            <a:lvl8pPr marL="3200400" algn="l" defTabSz="457200" rtl="0" eaLnBrk="1" latinLnBrk="0" hangingPunct="1">
+              <a:defRPr sz="1800" kern="1200">
+                <a:solidFill>
+                  <a:schemeClr val="tx1"/>
+                </a:solidFill>
+                <a:latin typeface="+mn-lt"/>
+                <a:ea typeface="+mn-ea"/>
+                <a:cs typeface="+mn-cs"/>
+              </a:defRPr>
+            </a:lvl8pPr>
+            <a:lvl9pPr marL="3657600" algn="l" defTabSz="457200" rtl="0" eaLnBrk="1" latinLnBrk="0" hangingPunct="1">
+              <a:defRPr sz="1800" kern="1200">
+                <a:solidFill>
+                  <a:schemeClr val="tx1"/>
+                </a:solidFill>
+                <a:latin typeface="+mn-lt"/>
+                <a:ea typeface="+mn-ea"/>
+                <a:cs typeface="+mn-cs"/>
+              </a:defRPr>
+            </a:lvl9pPr>
+          </a:lstStyle>
+          <a:p>
+            <a:fld id="{D7EE79A3-D0F4-4713-B590-7B8664CEA6FA}" type="datetime1">
+              <a:rPr lang="en-US" smtClean="0"/>
+              <a:pPr/>
+              <a:t>5/21/2021</a:t>
+            </a:fld>
+            <a:endParaRPr lang="en-US" dirty="0"/>
+          </a:p>
+        </p:txBody>
+      </p:sp>
+      <p:sp>
+        <p:nvSpPr>
+          <p:cNvPr id="12" name="Slide Number Placeholder 8"/>
+          <p:cNvSpPr>
+            <a:spLocks noGrp="1"/>
+          </p:cNvSpPr>
+          <p:nvPr>
+            <p:ph type="sldNum" sz="quarter" idx="12"/>
+          </p:nvPr>
+        </p:nvSpPr>
+        <p:spPr>
+          <a:xfrm>
+            <a:off x="11302039" y="6408060"/>
+            <a:ext cx="771089" cy="365125"/>
+          </a:xfrm>
+        </p:spPr>
+        <p:txBody>
+          <a:bodyPr/>
+          <a:lstStyle/>
+          <a:p>
+            <a:r>
+              <a:rPr lang="en-US" dirty="0"/>
+              <a:t>3</a:t>
+            </a:r>
+            <a:endParaRPr lang="en-US" dirty="0"/>
+          </a:p>
+        </p:txBody>
+      </p:sp>
     </p:spTree>
     <p:extLst>
       <p:ext uri="{BB962C8B-B14F-4D97-AF65-F5344CB8AC3E}">
@@ -12789,6 +13748,257 @@
             <a:r>
               <a:rPr lang="en-US" dirty="0" smtClean="0"/>
               <a:t>.</a:t>
+            </a:r>
+            <a:endParaRPr lang="en-US" dirty="0"/>
+          </a:p>
+        </p:txBody>
+      </p:sp>
+      <p:sp>
+        <p:nvSpPr>
+          <p:cNvPr id="10" name="Footer Placeholder 7"/>
+          <p:cNvSpPr txBox="1">
+            <a:spLocks/>
+          </p:cNvSpPr>
+          <p:nvPr/>
+        </p:nvSpPr>
+        <p:spPr>
+          <a:xfrm>
+            <a:off x="67986" y="6408061"/>
+            <a:ext cx="925928" cy="365125"/>
+          </a:xfrm>
+          <a:prstGeom prst="rect">
+            <a:avLst/>
+          </a:prstGeom>
+        </p:spPr>
+        <p:txBody>
+          <a:bodyPr vert="horz" lIns="91440" tIns="45720" rIns="91440" bIns="45720" rtlCol="0" anchor="ctr"/>
+          <a:lstStyle>
+            <a:defPPr>
+              <a:defRPr lang="en-US"/>
+            </a:defPPr>
+            <a:lvl1pPr marL="0" algn="l" defTabSz="457200" rtl="0" eaLnBrk="1" latinLnBrk="0" hangingPunct="1">
+              <a:defRPr sz="1050" kern="1200" cap="all" baseline="0">
+                <a:solidFill>
+                  <a:schemeClr val="tx1">
+                    <a:tint val="75000"/>
+                  </a:schemeClr>
+                </a:solidFill>
+                <a:latin typeface="+mn-lt"/>
+                <a:ea typeface="+mn-ea"/>
+                <a:cs typeface="+mn-cs"/>
+              </a:defRPr>
+            </a:lvl1pPr>
+            <a:lvl2pPr marL="457200" algn="l" defTabSz="457200" rtl="0" eaLnBrk="1" latinLnBrk="0" hangingPunct="1">
+              <a:defRPr sz="1800" kern="1200">
+                <a:solidFill>
+                  <a:schemeClr val="tx1"/>
+                </a:solidFill>
+                <a:latin typeface="+mn-lt"/>
+                <a:ea typeface="+mn-ea"/>
+                <a:cs typeface="+mn-cs"/>
+              </a:defRPr>
+            </a:lvl2pPr>
+            <a:lvl3pPr marL="914400" algn="l" defTabSz="457200" rtl="0" eaLnBrk="1" latinLnBrk="0" hangingPunct="1">
+              <a:defRPr sz="1800" kern="1200">
+                <a:solidFill>
+                  <a:schemeClr val="tx1"/>
+                </a:solidFill>
+                <a:latin typeface="+mn-lt"/>
+                <a:ea typeface="+mn-ea"/>
+                <a:cs typeface="+mn-cs"/>
+              </a:defRPr>
+            </a:lvl3pPr>
+            <a:lvl4pPr marL="1371600" algn="l" defTabSz="457200" rtl="0" eaLnBrk="1" latinLnBrk="0" hangingPunct="1">
+              <a:defRPr sz="1800" kern="1200">
+                <a:solidFill>
+                  <a:schemeClr val="tx1"/>
+                </a:solidFill>
+                <a:latin typeface="+mn-lt"/>
+                <a:ea typeface="+mn-ea"/>
+                <a:cs typeface="+mn-cs"/>
+              </a:defRPr>
+            </a:lvl4pPr>
+            <a:lvl5pPr marL="1828800" algn="l" defTabSz="457200" rtl="0" eaLnBrk="1" latinLnBrk="0" hangingPunct="1">
+              <a:defRPr sz="1800" kern="1200">
+                <a:solidFill>
+                  <a:schemeClr val="tx1"/>
+                </a:solidFill>
+                <a:latin typeface="+mn-lt"/>
+                <a:ea typeface="+mn-ea"/>
+                <a:cs typeface="+mn-cs"/>
+              </a:defRPr>
+            </a:lvl5pPr>
+            <a:lvl6pPr marL="2286000" algn="l" defTabSz="457200" rtl="0" eaLnBrk="1" latinLnBrk="0" hangingPunct="1">
+              <a:defRPr sz="1800" kern="1200">
+                <a:solidFill>
+                  <a:schemeClr val="tx1"/>
+                </a:solidFill>
+                <a:latin typeface="+mn-lt"/>
+                <a:ea typeface="+mn-ea"/>
+                <a:cs typeface="+mn-cs"/>
+              </a:defRPr>
+            </a:lvl6pPr>
+            <a:lvl7pPr marL="2743200" algn="l" defTabSz="457200" rtl="0" eaLnBrk="1" latinLnBrk="0" hangingPunct="1">
+              <a:defRPr sz="1800" kern="1200">
+                <a:solidFill>
+                  <a:schemeClr val="tx1"/>
+                </a:solidFill>
+                <a:latin typeface="+mn-lt"/>
+                <a:ea typeface="+mn-ea"/>
+                <a:cs typeface="+mn-cs"/>
+              </a:defRPr>
+            </a:lvl7pPr>
+            <a:lvl8pPr marL="3200400" algn="l" defTabSz="457200" rtl="0" eaLnBrk="1" latinLnBrk="0" hangingPunct="1">
+              <a:defRPr sz="1800" kern="1200">
+                <a:solidFill>
+                  <a:schemeClr val="tx1"/>
+                </a:solidFill>
+                <a:latin typeface="+mn-lt"/>
+                <a:ea typeface="+mn-ea"/>
+                <a:cs typeface="+mn-cs"/>
+              </a:defRPr>
+            </a:lvl8pPr>
+            <a:lvl9pPr marL="3657600" algn="l" defTabSz="457200" rtl="0" eaLnBrk="1" latinLnBrk="0" hangingPunct="1">
+              <a:defRPr sz="1800" kern="1200">
+                <a:solidFill>
+                  <a:schemeClr val="tx1"/>
+                </a:solidFill>
+                <a:latin typeface="+mn-lt"/>
+                <a:ea typeface="+mn-ea"/>
+                <a:cs typeface="+mn-cs"/>
+              </a:defRPr>
+            </a:lvl9pPr>
+          </a:lstStyle>
+          <a:p>
+            <a:fld id="{D7EE79A3-D0F4-4713-B590-7B8664CEA6FA}" type="datetime1">
+              <a:rPr lang="en-US" smtClean="0"/>
+              <a:pPr/>
+              <a:t>5/21/2021</a:t>
+            </a:fld>
+            <a:endParaRPr lang="en-US" dirty="0"/>
+          </a:p>
+        </p:txBody>
+      </p:sp>
+      <p:sp>
+        <p:nvSpPr>
+          <p:cNvPr id="11" name="Slide Number Placeholder 8"/>
+          <p:cNvSpPr txBox="1">
+            <a:spLocks/>
+          </p:cNvSpPr>
+          <p:nvPr/>
+        </p:nvSpPr>
+        <p:spPr>
+          <a:xfrm>
+            <a:off x="11302039" y="6408060"/>
+            <a:ext cx="771089" cy="365125"/>
+          </a:xfrm>
+          <a:prstGeom prst="rect">
+            <a:avLst/>
+          </a:prstGeom>
+        </p:spPr>
+        <p:txBody>
+          <a:bodyPr vert="horz" lIns="91440" tIns="45720" rIns="91440" bIns="45720" rtlCol="0" anchor="ctr"/>
+          <a:lstStyle>
+            <a:defPPr>
+              <a:defRPr lang="en-US"/>
+            </a:defPPr>
+            <a:lvl1pPr marL="0" algn="r" defTabSz="457200" rtl="0" eaLnBrk="1" latinLnBrk="0" hangingPunct="1">
+              <a:defRPr sz="1050" kern="1200">
+                <a:solidFill>
+                  <a:schemeClr val="tx1">
+                    <a:tint val="75000"/>
+                  </a:schemeClr>
+                </a:solidFill>
+                <a:latin typeface="+mn-lt"/>
+                <a:ea typeface="+mn-ea"/>
+                <a:cs typeface="+mn-cs"/>
+              </a:defRPr>
+            </a:lvl1pPr>
+            <a:lvl2pPr marL="457200" algn="l" defTabSz="457200" rtl="0" eaLnBrk="1" latinLnBrk="0" hangingPunct="1">
+              <a:defRPr sz="1800" kern="1200">
+                <a:solidFill>
+                  <a:schemeClr val="tx1"/>
+                </a:solidFill>
+                <a:latin typeface="+mn-lt"/>
+                <a:ea typeface="+mn-ea"/>
+                <a:cs typeface="+mn-cs"/>
+              </a:defRPr>
+            </a:lvl2pPr>
+            <a:lvl3pPr marL="914400" algn="l" defTabSz="457200" rtl="0" eaLnBrk="1" latinLnBrk="0" hangingPunct="1">
+              <a:defRPr sz="1800" kern="1200">
+                <a:solidFill>
+                  <a:schemeClr val="tx1"/>
+                </a:solidFill>
+                <a:latin typeface="+mn-lt"/>
+                <a:ea typeface="+mn-ea"/>
+                <a:cs typeface="+mn-cs"/>
+              </a:defRPr>
+            </a:lvl3pPr>
+            <a:lvl4pPr marL="1371600" algn="l" defTabSz="457200" rtl="0" eaLnBrk="1" latinLnBrk="0" hangingPunct="1">
+              <a:defRPr sz="1800" kern="1200">
+                <a:solidFill>
+                  <a:schemeClr val="tx1"/>
+                </a:solidFill>
+                <a:latin typeface="+mn-lt"/>
+                <a:ea typeface="+mn-ea"/>
+                <a:cs typeface="+mn-cs"/>
+              </a:defRPr>
+            </a:lvl4pPr>
+            <a:lvl5pPr marL="1828800" algn="l" defTabSz="457200" rtl="0" eaLnBrk="1" latinLnBrk="0" hangingPunct="1">
+              <a:defRPr sz="1800" kern="1200">
+                <a:solidFill>
+                  <a:schemeClr val="tx1"/>
+                </a:solidFill>
+                <a:latin typeface="+mn-lt"/>
+                <a:ea typeface="+mn-ea"/>
+                <a:cs typeface="+mn-cs"/>
+              </a:defRPr>
+            </a:lvl5pPr>
+            <a:lvl6pPr marL="2286000" algn="l" defTabSz="457200" rtl="0" eaLnBrk="1" latinLnBrk="0" hangingPunct="1">
+              <a:defRPr sz="1800" kern="1200">
+                <a:solidFill>
+                  <a:schemeClr val="tx1"/>
+                </a:solidFill>
+                <a:latin typeface="+mn-lt"/>
+                <a:ea typeface="+mn-ea"/>
+                <a:cs typeface="+mn-cs"/>
+              </a:defRPr>
+            </a:lvl6pPr>
+            <a:lvl7pPr marL="2743200" algn="l" defTabSz="457200" rtl="0" eaLnBrk="1" latinLnBrk="0" hangingPunct="1">
+              <a:defRPr sz="1800" kern="1200">
+                <a:solidFill>
+                  <a:schemeClr val="tx1"/>
+                </a:solidFill>
+                <a:latin typeface="+mn-lt"/>
+                <a:ea typeface="+mn-ea"/>
+                <a:cs typeface="+mn-cs"/>
+              </a:defRPr>
+            </a:lvl7pPr>
+            <a:lvl8pPr marL="3200400" algn="l" defTabSz="457200" rtl="0" eaLnBrk="1" latinLnBrk="0" hangingPunct="1">
+              <a:defRPr sz="1800" kern="1200">
+                <a:solidFill>
+                  <a:schemeClr val="tx1"/>
+                </a:solidFill>
+                <a:latin typeface="+mn-lt"/>
+                <a:ea typeface="+mn-ea"/>
+                <a:cs typeface="+mn-cs"/>
+              </a:defRPr>
+            </a:lvl8pPr>
+            <a:lvl9pPr marL="3657600" algn="l" defTabSz="457200" rtl="0" eaLnBrk="1" latinLnBrk="0" hangingPunct="1">
+              <a:defRPr sz="1800" kern="1200">
+                <a:solidFill>
+                  <a:schemeClr val="tx1"/>
+                </a:solidFill>
+                <a:latin typeface="+mn-lt"/>
+                <a:ea typeface="+mn-ea"/>
+                <a:cs typeface="+mn-cs"/>
+              </a:defRPr>
+            </a:lvl9pPr>
+          </a:lstStyle>
+          <a:p>
+            <a:r>
+              <a:rPr lang="en-US" dirty="0" smtClean="0"/>
+              <a:t>4</a:t>
             </a:r>
             <a:endParaRPr lang="en-US" dirty="0"/>
           </a:p>
@@ -12912,13 +14122,263 @@
         <p:spPr>
           <a:xfrm>
             <a:off x="5156200" y="2015545"/>
-            <a:ext cx="5891213" cy="2352247"/>
+            <a:ext cx="6667390" cy="2662159"/>
           </a:xfrm>
           <a:prstGeom prst="rect">
             <a:avLst/>
           </a:prstGeom>
         </p:spPr>
       </p:pic>
+      <p:sp>
+        <p:nvSpPr>
+          <p:cNvPr id="16" name="Footer Placeholder 7"/>
+          <p:cNvSpPr txBox="1">
+            <a:spLocks/>
+          </p:cNvSpPr>
+          <p:nvPr/>
+        </p:nvSpPr>
+        <p:spPr>
+          <a:xfrm>
+            <a:off x="67986" y="6408061"/>
+            <a:ext cx="925928" cy="365125"/>
+          </a:xfrm>
+          <a:prstGeom prst="rect">
+            <a:avLst/>
+          </a:prstGeom>
+        </p:spPr>
+        <p:txBody>
+          <a:bodyPr vert="horz" lIns="91440" tIns="45720" rIns="91440" bIns="45720" rtlCol="0" anchor="ctr"/>
+          <a:lstStyle>
+            <a:defPPr>
+              <a:defRPr lang="en-US"/>
+            </a:defPPr>
+            <a:lvl1pPr marL="0" algn="l" defTabSz="457200" rtl="0" eaLnBrk="1" latinLnBrk="0" hangingPunct="1">
+              <a:defRPr sz="1050" kern="1200" cap="all" baseline="0">
+                <a:solidFill>
+                  <a:schemeClr val="tx1">
+                    <a:tint val="75000"/>
+                  </a:schemeClr>
+                </a:solidFill>
+                <a:latin typeface="+mn-lt"/>
+                <a:ea typeface="+mn-ea"/>
+                <a:cs typeface="+mn-cs"/>
+              </a:defRPr>
+            </a:lvl1pPr>
+            <a:lvl2pPr marL="457200" algn="l" defTabSz="457200" rtl="0" eaLnBrk="1" latinLnBrk="0" hangingPunct="1">
+              <a:defRPr sz="1800" kern="1200">
+                <a:solidFill>
+                  <a:schemeClr val="tx1"/>
+                </a:solidFill>
+                <a:latin typeface="+mn-lt"/>
+                <a:ea typeface="+mn-ea"/>
+                <a:cs typeface="+mn-cs"/>
+              </a:defRPr>
+            </a:lvl2pPr>
+            <a:lvl3pPr marL="914400" algn="l" defTabSz="457200" rtl="0" eaLnBrk="1" latinLnBrk="0" hangingPunct="1">
+              <a:defRPr sz="1800" kern="1200">
+                <a:solidFill>
+                  <a:schemeClr val="tx1"/>
+                </a:solidFill>
+                <a:latin typeface="+mn-lt"/>
+                <a:ea typeface="+mn-ea"/>
+                <a:cs typeface="+mn-cs"/>
+              </a:defRPr>
+            </a:lvl3pPr>
+            <a:lvl4pPr marL="1371600" algn="l" defTabSz="457200" rtl="0" eaLnBrk="1" latinLnBrk="0" hangingPunct="1">
+              <a:defRPr sz="1800" kern="1200">
+                <a:solidFill>
+                  <a:schemeClr val="tx1"/>
+                </a:solidFill>
+                <a:latin typeface="+mn-lt"/>
+                <a:ea typeface="+mn-ea"/>
+                <a:cs typeface="+mn-cs"/>
+              </a:defRPr>
+            </a:lvl4pPr>
+            <a:lvl5pPr marL="1828800" algn="l" defTabSz="457200" rtl="0" eaLnBrk="1" latinLnBrk="0" hangingPunct="1">
+              <a:defRPr sz="1800" kern="1200">
+                <a:solidFill>
+                  <a:schemeClr val="tx1"/>
+                </a:solidFill>
+                <a:latin typeface="+mn-lt"/>
+                <a:ea typeface="+mn-ea"/>
+                <a:cs typeface="+mn-cs"/>
+              </a:defRPr>
+            </a:lvl5pPr>
+            <a:lvl6pPr marL="2286000" algn="l" defTabSz="457200" rtl="0" eaLnBrk="1" latinLnBrk="0" hangingPunct="1">
+              <a:defRPr sz="1800" kern="1200">
+                <a:solidFill>
+                  <a:schemeClr val="tx1"/>
+                </a:solidFill>
+                <a:latin typeface="+mn-lt"/>
+                <a:ea typeface="+mn-ea"/>
+                <a:cs typeface="+mn-cs"/>
+              </a:defRPr>
+            </a:lvl6pPr>
+            <a:lvl7pPr marL="2743200" algn="l" defTabSz="457200" rtl="0" eaLnBrk="1" latinLnBrk="0" hangingPunct="1">
+              <a:defRPr sz="1800" kern="1200">
+                <a:solidFill>
+                  <a:schemeClr val="tx1"/>
+                </a:solidFill>
+                <a:latin typeface="+mn-lt"/>
+                <a:ea typeface="+mn-ea"/>
+                <a:cs typeface="+mn-cs"/>
+              </a:defRPr>
+            </a:lvl7pPr>
+            <a:lvl8pPr marL="3200400" algn="l" defTabSz="457200" rtl="0" eaLnBrk="1" latinLnBrk="0" hangingPunct="1">
+              <a:defRPr sz="1800" kern="1200">
+                <a:solidFill>
+                  <a:schemeClr val="tx1"/>
+                </a:solidFill>
+                <a:latin typeface="+mn-lt"/>
+                <a:ea typeface="+mn-ea"/>
+                <a:cs typeface="+mn-cs"/>
+              </a:defRPr>
+            </a:lvl8pPr>
+            <a:lvl9pPr marL="3657600" algn="l" defTabSz="457200" rtl="0" eaLnBrk="1" latinLnBrk="0" hangingPunct="1">
+              <a:defRPr sz="1800" kern="1200">
+                <a:solidFill>
+                  <a:schemeClr val="tx1"/>
+                </a:solidFill>
+                <a:latin typeface="+mn-lt"/>
+                <a:ea typeface="+mn-ea"/>
+                <a:cs typeface="+mn-cs"/>
+              </a:defRPr>
+            </a:lvl9pPr>
+          </a:lstStyle>
+          <a:p>
+            <a:fld id="{D7EE79A3-D0F4-4713-B590-7B8664CEA6FA}" type="datetime1">
+              <a:rPr lang="en-US" smtClean="0"/>
+              <a:pPr/>
+              <a:t>5/21/2021</a:t>
+            </a:fld>
+            <a:endParaRPr lang="en-US" dirty="0"/>
+          </a:p>
+        </p:txBody>
+      </p:sp>
+      <p:sp>
+        <p:nvSpPr>
+          <p:cNvPr id="17" name="Slide Number Placeholder 8"/>
+          <p:cNvSpPr txBox="1">
+            <a:spLocks/>
+          </p:cNvSpPr>
+          <p:nvPr/>
+        </p:nvSpPr>
+        <p:spPr>
+          <a:xfrm>
+            <a:off x="11302039" y="6408060"/>
+            <a:ext cx="771089" cy="365125"/>
+          </a:xfrm>
+          <a:prstGeom prst="rect">
+            <a:avLst/>
+          </a:prstGeom>
+        </p:spPr>
+        <p:txBody>
+          <a:bodyPr vert="horz" lIns="91440" tIns="45720" rIns="91440" bIns="45720" rtlCol="0" anchor="ctr"/>
+          <a:lstStyle>
+            <a:defPPr>
+              <a:defRPr lang="en-US"/>
+            </a:defPPr>
+            <a:lvl1pPr marL="0" algn="r" defTabSz="457200" rtl="0" eaLnBrk="1" latinLnBrk="0" hangingPunct="1">
+              <a:defRPr sz="1050" kern="1200">
+                <a:solidFill>
+                  <a:schemeClr val="tx1">
+                    <a:tint val="75000"/>
+                  </a:schemeClr>
+                </a:solidFill>
+                <a:latin typeface="+mn-lt"/>
+                <a:ea typeface="+mn-ea"/>
+                <a:cs typeface="+mn-cs"/>
+              </a:defRPr>
+            </a:lvl1pPr>
+            <a:lvl2pPr marL="457200" algn="l" defTabSz="457200" rtl="0" eaLnBrk="1" latinLnBrk="0" hangingPunct="1">
+              <a:defRPr sz="1800" kern="1200">
+                <a:solidFill>
+                  <a:schemeClr val="tx1"/>
+                </a:solidFill>
+                <a:latin typeface="+mn-lt"/>
+                <a:ea typeface="+mn-ea"/>
+                <a:cs typeface="+mn-cs"/>
+              </a:defRPr>
+            </a:lvl2pPr>
+            <a:lvl3pPr marL="914400" algn="l" defTabSz="457200" rtl="0" eaLnBrk="1" latinLnBrk="0" hangingPunct="1">
+              <a:defRPr sz="1800" kern="1200">
+                <a:solidFill>
+                  <a:schemeClr val="tx1"/>
+                </a:solidFill>
+                <a:latin typeface="+mn-lt"/>
+                <a:ea typeface="+mn-ea"/>
+                <a:cs typeface="+mn-cs"/>
+              </a:defRPr>
+            </a:lvl3pPr>
+            <a:lvl4pPr marL="1371600" algn="l" defTabSz="457200" rtl="0" eaLnBrk="1" latinLnBrk="0" hangingPunct="1">
+              <a:defRPr sz="1800" kern="1200">
+                <a:solidFill>
+                  <a:schemeClr val="tx1"/>
+                </a:solidFill>
+                <a:latin typeface="+mn-lt"/>
+                <a:ea typeface="+mn-ea"/>
+                <a:cs typeface="+mn-cs"/>
+              </a:defRPr>
+            </a:lvl4pPr>
+            <a:lvl5pPr marL="1828800" algn="l" defTabSz="457200" rtl="0" eaLnBrk="1" latinLnBrk="0" hangingPunct="1">
+              <a:defRPr sz="1800" kern="1200">
+                <a:solidFill>
+                  <a:schemeClr val="tx1"/>
+                </a:solidFill>
+                <a:latin typeface="+mn-lt"/>
+                <a:ea typeface="+mn-ea"/>
+                <a:cs typeface="+mn-cs"/>
+              </a:defRPr>
+            </a:lvl5pPr>
+            <a:lvl6pPr marL="2286000" algn="l" defTabSz="457200" rtl="0" eaLnBrk="1" latinLnBrk="0" hangingPunct="1">
+              <a:defRPr sz="1800" kern="1200">
+                <a:solidFill>
+                  <a:schemeClr val="tx1"/>
+                </a:solidFill>
+                <a:latin typeface="+mn-lt"/>
+                <a:ea typeface="+mn-ea"/>
+                <a:cs typeface="+mn-cs"/>
+              </a:defRPr>
+            </a:lvl6pPr>
+            <a:lvl7pPr marL="2743200" algn="l" defTabSz="457200" rtl="0" eaLnBrk="1" latinLnBrk="0" hangingPunct="1">
+              <a:defRPr sz="1800" kern="1200">
+                <a:solidFill>
+                  <a:schemeClr val="tx1"/>
+                </a:solidFill>
+                <a:latin typeface="+mn-lt"/>
+                <a:ea typeface="+mn-ea"/>
+                <a:cs typeface="+mn-cs"/>
+              </a:defRPr>
+            </a:lvl7pPr>
+            <a:lvl8pPr marL="3200400" algn="l" defTabSz="457200" rtl="0" eaLnBrk="1" latinLnBrk="0" hangingPunct="1">
+              <a:defRPr sz="1800" kern="1200">
+                <a:solidFill>
+                  <a:schemeClr val="tx1"/>
+                </a:solidFill>
+                <a:latin typeface="+mn-lt"/>
+                <a:ea typeface="+mn-ea"/>
+                <a:cs typeface="+mn-cs"/>
+              </a:defRPr>
+            </a:lvl8pPr>
+            <a:lvl9pPr marL="3657600" algn="l" defTabSz="457200" rtl="0" eaLnBrk="1" latinLnBrk="0" hangingPunct="1">
+              <a:defRPr sz="1800" kern="1200">
+                <a:solidFill>
+                  <a:schemeClr val="tx1"/>
+                </a:solidFill>
+                <a:latin typeface="+mn-lt"/>
+                <a:ea typeface="+mn-ea"/>
+                <a:cs typeface="+mn-cs"/>
+              </a:defRPr>
+            </a:lvl9pPr>
+          </a:lstStyle>
+          <a:p>
+            <a:r>
+              <a:rPr lang="en-US" dirty="0"/>
+              <a:t>5</a:t>
+            </a:r>
+          </a:p>
+        </p:txBody>
+      </p:sp>
     </p:spTree>
     <p:extLst>
       <p:ext uri="{BB962C8B-B14F-4D97-AF65-F5344CB8AC3E}">
@@ -12984,10 +14444,306 @@
         </p:nvSpPr>
         <p:spPr/>
         <p:txBody>
-          <a:bodyPr/>
+          <a:bodyPr>
+            <a:normAutofit fontScale="92500" lnSpcReduction="20000"/>
+          </a:bodyPr>
           <a:lstStyle/>
           <a:p>
-            <a:endParaRPr lang="en-US"/>
+            <a:r>
+              <a:rPr lang="en-US" dirty="0" smtClean="0"/>
+              <a:t>Current model has limited value yet has potential </a:t>
+            </a:r>
+          </a:p>
+          <a:p>
+            <a:r>
+              <a:rPr lang="en-US" dirty="0" smtClean="0"/>
+              <a:t>With the following improvements the model could be replaced with a more performant solution:</a:t>
+            </a:r>
+          </a:p>
+          <a:p>
+            <a:pPr lvl="2"/>
+            <a:r>
+              <a:rPr lang="en-US" dirty="0" smtClean="0"/>
+              <a:t>Standard date dimension</a:t>
+            </a:r>
+          </a:p>
+          <a:p>
+            <a:pPr lvl="2"/>
+            <a:r>
+              <a:rPr lang="en-US" dirty="0" smtClean="0"/>
+              <a:t>Unique value for client identification</a:t>
+            </a:r>
+          </a:p>
+          <a:p>
+            <a:pPr lvl="2"/>
+            <a:r>
+              <a:rPr lang="en-US" dirty="0" smtClean="0"/>
+              <a:t>Larger dataset</a:t>
+            </a:r>
+          </a:p>
+          <a:p>
+            <a:pPr lvl="2"/>
+            <a:r>
+              <a:rPr lang="en-US" dirty="0" smtClean="0"/>
+              <a:t>Data validation source to ensure accuracy			</a:t>
+            </a:r>
+          </a:p>
+          <a:p>
+            <a:r>
+              <a:rPr lang="en-US" dirty="0" smtClean="0"/>
+              <a:t> Additional research and data exploration should be performed before considering remodeling.</a:t>
+            </a:r>
+            <a:endParaRPr lang="en-US" dirty="0"/>
+          </a:p>
+        </p:txBody>
+      </p:sp>
+      <p:sp>
+        <p:nvSpPr>
+          <p:cNvPr id="13" name="Footer Placeholder 7"/>
+          <p:cNvSpPr txBox="1">
+            <a:spLocks/>
+          </p:cNvSpPr>
+          <p:nvPr/>
+        </p:nvSpPr>
+        <p:spPr>
+          <a:xfrm>
+            <a:off x="67986" y="6408061"/>
+            <a:ext cx="925928" cy="365125"/>
+          </a:xfrm>
+          <a:prstGeom prst="rect">
+            <a:avLst/>
+          </a:prstGeom>
+        </p:spPr>
+        <p:txBody>
+          <a:bodyPr vert="horz" lIns="91440" tIns="45720" rIns="91440" bIns="45720" rtlCol="0" anchor="ctr"/>
+          <a:lstStyle>
+            <a:defPPr>
+              <a:defRPr lang="en-US"/>
+            </a:defPPr>
+            <a:lvl1pPr marL="0" algn="l" defTabSz="457200" rtl="0" eaLnBrk="1" latinLnBrk="0" hangingPunct="1">
+              <a:defRPr sz="1050" kern="1200" cap="all" baseline="0">
+                <a:solidFill>
+                  <a:schemeClr val="tx1">
+                    <a:tint val="75000"/>
+                  </a:schemeClr>
+                </a:solidFill>
+                <a:latin typeface="+mn-lt"/>
+                <a:ea typeface="+mn-ea"/>
+                <a:cs typeface="+mn-cs"/>
+              </a:defRPr>
+            </a:lvl1pPr>
+            <a:lvl2pPr marL="457200" algn="l" defTabSz="457200" rtl="0" eaLnBrk="1" latinLnBrk="0" hangingPunct="1">
+              <a:defRPr sz="1800" kern="1200">
+                <a:solidFill>
+                  <a:schemeClr val="tx1"/>
+                </a:solidFill>
+                <a:latin typeface="+mn-lt"/>
+                <a:ea typeface="+mn-ea"/>
+                <a:cs typeface="+mn-cs"/>
+              </a:defRPr>
+            </a:lvl2pPr>
+            <a:lvl3pPr marL="914400" algn="l" defTabSz="457200" rtl="0" eaLnBrk="1" latinLnBrk="0" hangingPunct="1">
+              <a:defRPr sz="1800" kern="1200">
+                <a:solidFill>
+                  <a:schemeClr val="tx1"/>
+                </a:solidFill>
+                <a:latin typeface="+mn-lt"/>
+                <a:ea typeface="+mn-ea"/>
+                <a:cs typeface="+mn-cs"/>
+              </a:defRPr>
+            </a:lvl3pPr>
+            <a:lvl4pPr marL="1371600" algn="l" defTabSz="457200" rtl="0" eaLnBrk="1" latinLnBrk="0" hangingPunct="1">
+              <a:defRPr sz="1800" kern="1200">
+                <a:solidFill>
+                  <a:schemeClr val="tx1"/>
+                </a:solidFill>
+                <a:latin typeface="+mn-lt"/>
+                <a:ea typeface="+mn-ea"/>
+                <a:cs typeface="+mn-cs"/>
+              </a:defRPr>
+            </a:lvl4pPr>
+            <a:lvl5pPr marL="1828800" algn="l" defTabSz="457200" rtl="0" eaLnBrk="1" latinLnBrk="0" hangingPunct="1">
+              <a:defRPr sz="1800" kern="1200">
+                <a:solidFill>
+                  <a:schemeClr val="tx1"/>
+                </a:solidFill>
+                <a:latin typeface="+mn-lt"/>
+                <a:ea typeface="+mn-ea"/>
+                <a:cs typeface="+mn-cs"/>
+              </a:defRPr>
+            </a:lvl5pPr>
+            <a:lvl6pPr marL="2286000" algn="l" defTabSz="457200" rtl="0" eaLnBrk="1" latinLnBrk="0" hangingPunct="1">
+              <a:defRPr sz="1800" kern="1200">
+                <a:solidFill>
+                  <a:schemeClr val="tx1"/>
+                </a:solidFill>
+                <a:latin typeface="+mn-lt"/>
+                <a:ea typeface="+mn-ea"/>
+                <a:cs typeface="+mn-cs"/>
+              </a:defRPr>
+            </a:lvl6pPr>
+            <a:lvl7pPr marL="2743200" algn="l" defTabSz="457200" rtl="0" eaLnBrk="1" latinLnBrk="0" hangingPunct="1">
+              <a:defRPr sz="1800" kern="1200">
+                <a:solidFill>
+                  <a:schemeClr val="tx1"/>
+                </a:solidFill>
+                <a:latin typeface="+mn-lt"/>
+                <a:ea typeface="+mn-ea"/>
+                <a:cs typeface="+mn-cs"/>
+              </a:defRPr>
+            </a:lvl7pPr>
+            <a:lvl8pPr marL="3200400" algn="l" defTabSz="457200" rtl="0" eaLnBrk="1" latinLnBrk="0" hangingPunct="1">
+              <a:defRPr sz="1800" kern="1200">
+                <a:solidFill>
+                  <a:schemeClr val="tx1"/>
+                </a:solidFill>
+                <a:latin typeface="+mn-lt"/>
+                <a:ea typeface="+mn-ea"/>
+                <a:cs typeface="+mn-cs"/>
+              </a:defRPr>
+            </a:lvl8pPr>
+            <a:lvl9pPr marL="3657600" algn="l" defTabSz="457200" rtl="0" eaLnBrk="1" latinLnBrk="0" hangingPunct="1">
+              <a:defRPr sz="1800" kern="1200">
+                <a:solidFill>
+                  <a:schemeClr val="tx1"/>
+                </a:solidFill>
+                <a:latin typeface="+mn-lt"/>
+                <a:ea typeface="+mn-ea"/>
+                <a:cs typeface="+mn-cs"/>
+              </a:defRPr>
+            </a:lvl9pPr>
+          </a:lstStyle>
+          <a:p>
+            <a:fld id="{D7EE79A3-D0F4-4713-B590-7B8664CEA6FA}" type="datetime1">
+              <a:rPr lang="en-US" smtClean="0"/>
+              <a:pPr/>
+              <a:t>5/21/2021</a:t>
+            </a:fld>
+            <a:endParaRPr lang="en-US" dirty="0"/>
+          </a:p>
+        </p:txBody>
+      </p:sp>
+      <p:sp>
+        <p:nvSpPr>
+          <p:cNvPr id="14" name="Slide Number Placeholder 8"/>
+          <p:cNvSpPr txBox="1">
+            <a:spLocks/>
+          </p:cNvSpPr>
+          <p:nvPr/>
+        </p:nvSpPr>
+        <p:spPr>
+          <a:xfrm>
+            <a:off x="11302039" y="6408060"/>
+            <a:ext cx="771089" cy="365125"/>
+          </a:xfrm>
+          <a:prstGeom prst="rect">
+            <a:avLst/>
+          </a:prstGeom>
+        </p:spPr>
+        <p:txBody>
+          <a:bodyPr vert="horz" lIns="91440" tIns="45720" rIns="91440" bIns="45720" rtlCol="0" anchor="ctr"/>
+          <a:lstStyle>
+            <a:defPPr>
+              <a:defRPr lang="en-US"/>
+            </a:defPPr>
+            <a:lvl1pPr marL="0" algn="r" defTabSz="457200" rtl="0" eaLnBrk="1" latinLnBrk="0" hangingPunct="1">
+              <a:defRPr sz="1050" kern="1200">
+                <a:solidFill>
+                  <a:schemeClr val="tx1">
+                    <a:tint val="75000"/>
+                  </a:schemeClr>
+                </a:solidFill>
+                <a:latin typeface="+mn-lt"/>
+                <a:ea typeface="+mn-ea"/>
+                <a:cs typeface="+mn-cs"/>
+              </a:defRPr>
+            </a:lvl1pPr>
+            <a:lvl2pPr marL="457200" algn="l" defTabSz="457200" rtl="0" eaLnBrk="1" latinLnBrk="0" hangingPunct="1">
+              <a:defRPr sz="1800" kern="1200">
+                <a:solidFill>
+                  <a:schemeClr val="tx1"/>
+                </a:solidFill>
+                <a:latin typeface="+mn-lt"/>
+                <a:ea typeface="+mn-ea"/>
+                <a:cs typeface="+mn-cs"/>
+              </a:defRPr>
+            </a:lvl2pPr>
+            <a:lvl3pPr marL="914400" algn="l" defTabSz="457200" rtl="0" eaLnBrk="1" latinLnBrk="0" hangingPunct="1">
+              <a:defRPr sz="1800" kern="1200">
+                <a:solidFill>
+                  <a:schemeClr val="tx1"/>
+                </a:solidFill>
+                <a:latin typeface="+mn-lt"/>
+                <a:ea typeface="+mn-ea"/>
+                <a:cs typeface="+mn-cs"/>
+              </a:defRPr>
+            </a:lvl3pPr>
+            <a:lvl4pPr marL="1371600" algn="l" defTabSz="457200" rtl="0" eaLnBrk="1" latinLnBrk="0" hangingPunct="1">
+              <a:defRPr sz="1800" kern="1200">
+                <a:solidFill>
+                  <a:schemeClr val="tx1"/>
+                </a:solidFill>
+                <a:latin typeface="+mn-lt"/>
+                <a:ea typeface="+mn-ea"/>
+                <a:cs typeface="+mn-cs"/>
+              </a:defRPr>
+            </a:lvl4pPr>
+            <a:lvl5pPr marL="1828800" algn="l" defTabSz="457200" rtl="0" eaLnBrk="1" latinLnBrk="0" hangingPunct="1">
+              <a:defRPr sz="1800" kern="1200">
+                <a:solidFill>
+                  <a:schemeClr val="tx1"/>
+                </a:solidFill>
+                <a:latin typeface="+mn-lt"/>
+                <a:ea typeface="+mn-ea"/>
+                <a:cs typeface="+mn-cs"/>
+              </a:defRPr>
+            </a:lvl5pPr>
+            <a:lvl6pPr marL="2286000" algn="l" defTabSz="457200" rtl="0" eaLnBrk="1" latinLnBrk="0" hangingPunct="1">
+              <a:defRPr sz="1800" kern="1200">
+                <a:solidFill>
+                  <a:schemeClr val="tx1"/>
+                </a:solidFill>
+                <a:latin typeface="+mn-lt"/>
+                <a:ea typeface="+mn-ea"/>
+                <a:cs typeface="+mn-cs"/>
+              </a:defRPr>
+            </a:lvl6pPr>
+            <a:lvl7pPr marL="2743200" algn="l" defTabSz="457200" rtl="0" eaLnBrk="1" latinLnBrk="0" hangingPunct="1">
+              <a:defRPr sz="1800" kern="1200">
+                <a:solidFill>
+                  <a:schemeClr val="tx1"/>
+                </a:solidFill>
+                <a:latin typeface="+mn-lt"/>
+                <a:ea typeface="+mn-ea"/>
+                <a:cs typeface="+mn-cs"/>
+              </a:defRPr>
+            </a:lvl7pPr>
+            <a:lvl8pPr marL="3200400" algn="l" defTabSz="457200" rtl="0" eaLnBrk="1" latinLnBrk="0" hangingPunct="1">
+              <a:defRPr sz="1800" kern="1200">
+                <a:solidFill>
+                  <a:schemeClr val="tx1"/>
+                </a:solidFill>
+                <a:latin typeface="+mn-lt"/>
+                <a:ea typeface="+mn-ea"/>
+                <a:cs typeface="+mn-cs"/>
+              </a:defRPr>
+            </a:lvl8pPr>
+            <a:lvl9pPr marL="3657600" algn="l" defTabSz="457200" rtl="0" eaLnBrk="1" latinLnBrk="0" hangingPunct="1">
+              <a:defRPr sz="1800" kern="1200">
+                <a:solidFill>
+                  <a:schemeClr val="tx1"/>
+                </a:solidFill>
+                <a:latin typeface="+mn-lt"/>
+                <a:ea typeface="+mn-ea"/>
+                <a:cs typeface="+mn-cs"/>
+              </a:defRPr>
+            </a:lvl9pPr>
+          </a:lstStyle>
+          <a:p>
+            <a:r>
+              <a:rPr lang="en-US" dirty="0"/>
+              <a:t>6</a:t>
+            </a:r>
           </a:p>
         </p:txBody>
       </p:sp>
@@ -12995,6 +14751,700 @@
     <p:extLst>
       <p:ext uri="{BB962C8B-B14F-4D97-AF65-F5344CB8AC3E}">
         <p14:creationId xmlns:p14="http://schemas.microsoft.com/office/powerpoint/2010/main" val="602858015"/>
+      </p:ext>
+    </p:extLst>
+  </p:cSld>
+  <p:clrMapOvr>
+    <a:masterClrMapping/>
+  </p:clrMapOvr>
+</p:sld>
+</file>
+
+<file path=ppt/slides/slide7.xml><?xml version="1.0" encoding="utf-8"?>
+<p:sld xmlns:a="http://schemas.openxmlformats.org/drawingml/2006/main" xmlns:r="http://schemas.openxmlformats.org/officeDocument/2006/relationships" xmlns:p="http://schemas.openxmlformats.org/presentationml/2006/main">
+  <p:cSld>
+    <p:spTree>
+      <p:nvGrpSpPr>
+        <p:cNvPr id="1" name=""/>
+        <p:cNvGrpSpPr/>
+        <p:nvPr/>
+      </p:nvGrpSpPr>
+      <p:grpSpPr>
+        <a:xfrm>
+          <a:off x="0" y="0"/>
+          <a:ext cx="0" cy="0"/>
+          <a:chOff x="0" y="0"/>
+          <a:chExt cx="0" cy="0"/>
+        </a:xfrm>
+      </p:grpSpPr>
+      <p:sp>
+        <p:nvSpPr>
+          <p:cNvPr id="8" name="Title 7"/>
+          <p:cNvSpPr>
+            <a:spLocks noGrp="1"/>
+          </p:cNvSpPr>
+          <p:nvPr>
+            <p:ph type="title"/>
+          </p:nvPr>
+        </p:nvSpPr>
+        <p:spPr>
+          <a:xfrm>
+            <a:off x="1141413" y="618518"/>
+            <a:ext cx="9905998" cy="1009756"/>
+          </a:xfrm>
+        </p:spPr>
+        <p:txBody>
+          <a:bodyPr/>
+          <a:lstStyle/>
+          <a:p>
+            <a:pPr algn="ctr"/>
+            <a:r>
+              <a:rPr lang="en-US" dirty="0" smtClean="0"/>
+              <a:t>Questions?</a:t>
+            </a:r>
+            <a:endParaRPr lang="en-US" dirty="0"/>
+          </a:p>
+        </p:txBody>
+      </p:sp>
+      <p:sp>
+        <p:nvSpPr>
+          <p:cNvPr id="7" name="Footer Placeholder 7"/>
+          <p:cNvSpPr txBox="1">
+            <a:spLocks/>
+          </p:cNvSpPr>
+          <p:nvPr/>
+        </p:nvSpPr>
+        <p:spPr>
+          <a:xfrm>
+            <a:off x="67986" y="6408061"/>
+            <a:ext cx="925928" cy="365125"/>
+          </a:xfrm>
+          <a:prstGeom prst="rect">
+            <a:avLst/>
+          </a:prstGeom>
+        </p:spPr>
+        <p:txBody>
+          <a:bodyPr vert="horz" lIns="91440" tIns="45720" rIns="91440" bIns="45720" rtlCol="0" anchor="ctr"/>
+          <a:lstStyle>
+            <a:defPPr>
+              <a:defRPr lang="en-US"/>
+            </a:defPPr>
+            <a:lvl1pPr marL="0" algn="l" defTabSz="457200" rtl="0" eaLnBrk="1" latinLnBrk="0" hangingPunct="1">
+              <a:defRPr sz="1050" kern="1200" cap="all" baseline="0">
+                <a:solidFill>
+                  <a:schemeClr val="tx1">
+                    <a:tint val="75000"/>
+                  </a:schemeClr>
+                </a:solidFill>
+                <a:latin typeface="+mn-lt"/>
+                <a:ea typeface="+mn-ea"/>
+                <a:cs typeface="+mn-cs"/>
+              </a:defRPr>
+            </a:lvl1pPr>
+            <a:lvl2pPr marL="457200" algn="l" defTabSz="457200" rtl="0" eaLnBrk="1" latinLnBrk="0" hangingPunct="1">
+              <a:defRPr sz="1800" kern="1200">
+                <a:solidFill>
+                  <a:schemeClr val="tx1"/>
+                </a:solidFill>
+                <a:latin typeface="+mn-lt"/>
+                <a:ea typeface="+mn-ea"/>
+                <a:cs typeface="+mn-cs"/>
+              </a:defRPr>
+            </a:lvl2pPr>
+            <a:lvl3pPr marL="914400" algn="l" defTabSz="457200" rtl="0" eaLnBrk="1" latinLnBrk="0" hangingPunct="1">
+              <a:defRPr sz="1800" kern="1200">
+                <a:solidFill>
+                  <a:schemeClr val="tx1"/>
+                </a:solidFill>
+                <a:latin typeface="+mn-lt"/>
+                <a:ea typeface="+mn-ea"/>
+                <a:cs typeface="+mn-cs"/>
+              </a:defRPr>
+            </a:lvl3pPr>
+            <a:lvl4pPr marL="1371600" algn="l" defTabSz="457200" rtl="0" eaLnBrk="1" latinLnBrk="0" hangingPunct="1">
+              <a:defRPr sz="1800" kern="1200">
+                <a:solidFill>
+                  <a:schemeClr val="tx1"/>
+                </a:solidFill>
+                <a:latin typeface="+mn-lt"/>
+                <a:ea typeface="+mn-ea"/>
+                <a:cs typeface="+mn-cs"/>
+              </a:defRPr>
+            </a:lvl4pPr>
+            <a:lvl5pPr marL="1828800" algn="l" defTabSz="457200" rtl="0" eaLnBrk="1" latinLnBrk="0" hangingPunct="1">
+              <a:defRPr sz="1800" kern="1200">
+                <a:solidFill>
+                  <a:schemeClr val="tx1"/>
+                </a:solidFill>
+                <a:latin typeface="+mn-lt"/>
+                <a:ea typeface="+mn-ea"/>
+                <a:cs typeface="+mn-cs"/>
+              </a:defRPr>
+            </a:lvl5pPr>
+            <a:lvl6pPr marL="2286000" algn="l" defTabSz="457200" rtl="0" eaLnBrk="1" latinLnBrk="0" hangingPunct="1">
+              <a:defRPr sz="1800" kern="1200">
+                <a:solidFill>
+                  <a:schemeClr val="tx1"/>
+                </a:solidFill>
+                <a:latin typeface="+mn-lt"/>
+                <a:ea typeface="+mn-ea"/>
+                <a:cs typeface="+mn-cs"/>
+              </a:defRPr>
+            </a:lvl6pPr>
+            <a:lvl7pPr marL="2743200" algn="l" defTabSz="457200" rtl="0" eaLnBrk="1" latinLnBrk="0" hangingPunct="1">
+              <a:defRPr sz="1800" kern="1200">
+                <a:solidFill>
+                  <a:schemeClr val="tx1"/>
+                </a:solidFill>
+                <a:latin typeface="+mn-lt"/>
+                <a:ea typeface="+mn-ea"/>
+                <a:cs typeface="+mn-cs"/>
+              </a:defRPr>
+            </a:lvl7pPr>
+            <a:lvl8pPr marL="3200400" algn="l" defTabSz="457200" rtl="0" eaLnBrk="1" latinLnBrk="0" hangingPunct="1">
+              <a:defRPr sz="1800" kern="1200">
+                <a:solidFill>
+                  <a:schemeClr val="tx1"/>
+                </a:solidFill>
+                <a:latin typeface="+mn-lt"/>
+                <a:ea typeface="+mn-ea"/>
+                <a:cs typeface="+mn-cs"/>
+              </a:defRPr>
+            </a:lvl8pPr>
+            <a:lvl9pPr marL="3657600" algn="l" defTabSz="457200" rtl="0" eaLnBrk="1" latinLnBrk="0" hangingPunct="1">
+              <a:defRPr sz="1800" kern="1200">
+                <a:solidFill>
+                  <a:schemeClr val="tx1"/>
+                </a:solidFill>
+                <a:latin typeface="+mn-lt"/>
+                <a:ea typeface="+mn-ea"/>
+                <a:cs typeface="+mn-cs"/>
+              </a:defRPr>
+            </a:lvl9pPr>
+          </a:lstStyle>
+          <a:p>
+            <a:fld id="{D7EE79A3-D0F4-4713-B590-7B8664CEA6FA}" type="datetime1">
+              <a:rPr lang="en-US" smtClean="0"/>
+              <a:pPr/>
+              <a:t>5/21/2021</a:t>
+            </a:fld>
+            <a:endParaRPr lang="en-US" dirty="0"/>
+          </a:p>
+        </p:txBody>
+      </p:sp>
+      <p:sp>
+        <p:nvSpPr>
+          <p:cNvPr id="9" name="Slide Number Placeholder 8"/>
+          <p:cNvSpPr txBox="1">
+            <a:spLocks/>
+          </p:cNvSpPr>
+          <p:nvPr/>
+        </p:nvSpPr>
+        <p:spPr>
+          <a:xfrm>
+            <a:off x="11302039" y="6408060"/>
+            <a:ext cx="771089" cy="365125"/>
+          </a:xfrm>
+          <a:prstGeom prst="rect">
+            <a:avLst/>
+          </a:prstGeom>
+        </p:spPr>
+        <p:txBody>
+          <a:bodyPr vert="horz" lIns="91440" tIns="45720" rIns="91440" bIns="45720" rtlCol="0" anchor="ctr"/>
+          <a:lstStyle>
+            <a:defPPr>
+              <a:defRPr lang="en-US"/>
+            </a:defPPr>
+            <a:lvl1pPr marL="0" algn="r" defTabSz="457200" rtl="0" eaLnBrk="1" latinLnBrk="0" hangingPunct="1">
+              <a:defRPr sz="1050" kern="1200">
+                <a:solidFill>
+                  <a:schemeClr val="tx1">
+                    <a:tint val="75000"/>
+                  </a:schemeClr>
+                </a:solidFill>
+                <a:latin typeface="+mn-lt"/>
+                <a:ea typeface="+mn-ea"/>
+                <a:cs typeface="+mn-cs"/>
+              </a:defRPr>
+            </a:lvl1pPr>
+            <a:lvl2pPr marL="457200" algn="l" defTabSz="457200" rtl="0" eaLnBrk="1" latinLnBrk="0" hangingPunct="1">
+              <a:defRPr sz="1800" kern="1200">
+                <a:solidFill>
+                  <a:schemeClr val="tx1"/>
+                </a:solidFill>
+                <a:latin typeface="+mn-lt"/>
+                <a:ea typeface="+mn-ea"/>
+                <a:cs typeface="+mn-cs"/>
+              </a:defRPr>
+            </a:lvl2pPr>
+            <a:lvl3pPr marL="914400" algn="l" defTabSz="457200" rtl="0" eaLnBrk="1" latinLnBrk="0" hangingPunct="1">
+              <a:defRPr sz="1800" kern="1200">
+                <a:solidFill>
+                  <a:schemeClr val="tx1"/>
+                </a:solidFill>
+                <a:latin typeface="+mn-lt"/>
+                <a:ea typeface="+mn-ea"/>
+                <a:cs typeface="+mn-cs"/>
+              </a:defRPr>
+            </a:lvl3pPr>
+            <a:lvl4pPr marL="1371600" algn="l" defTabSz="457200" rtl="0" eaLnBrk="1" latinLnBrk="0" hangingPunct="1">
+              <a:defRPr sz="1800" kern="1200">
+                <a:solidFill>
+                  <a:schemeClr val="tx1"/>
+                </a:solidFill>
+                <a:latin typeface="+mn-lt"/>
+                <a:ea typeface="+mn-ea"/>
+                <a:cs typeface="+mn-cs"/>
+              </a:defRPr>
+            </a:lvl4pPr>
+            <a:lvl5pPr marL="1828800" algn="l" defTabSz="457200" rtl="0" eaLnBrk="1" latinLnBrk="0" hangingPunct="1">
+              <a:defRPr sz="1800" kern="1200">
+                <a:solidFill>
+                  <a:schemeClr val="tx1"/>
+                </a:solidFill>
+                <a:latin typeface="+mn-lt"/>
+                <a:ea typeface="+mn-ea"/>
+                <a:cs typeface="+mn-cs"/>
+              </a:defRPr>
+            </a:lvl5pPr>
+            <a:lvl6pPr marL="2286000" algn="l" defTabSz="457200" rtl="0" eaLnBrk="1" latinLnBrk="0" hangingPunct="1">
+              <a:defRPr sz="1800" kern="1200">
+                <a:solidFill>
+                  <a:schemeClr val="tx1"/>
+                </a:solidFill>
+                <a:latin typeface="+mn-lt"/>
+                <a:ea typeface="+mn-ea"/>
+                <a:cs typeface="+mn-cs"/>
+              </a:defRPr>
+            </a:lvl6pPr>
+            <a:lvl7pPr marL="2743200" algn="l" defTabSz="457200" rtl="0" eaLnBrk="1" latinLnBrk="0" hangingPunct="1">
+              <a:defRPr sz="1800" kern="1200">
+                <a:solidFill>
+                  <a:schemeClr val="tx1"/>
+                </a:solidFill>
+                <a:latin typeface="+mn-lt"/>
+                <a:ea typeface="+mn-ea"/>
+                <a:cs typeface="+mn-cs"/>
+              </a:defRPr>
+            </a:lvl7pPr>
+            <a:lvl8pPr marL="3200400" algn="l" defTabSz="457200" rtl="0" eaLnBrk="1" latinLnBrk="0" hangingPunct="1">
+              <a:defRPr sz="1800" kern="1200">
+                <a:solidFill>
+                  <a:schemeClr val="tx1"/>
+                </a:solidFill>
+                <a:latin typeface="+mn-lt"/>
+                <a:ea typeface="+mn-ea"/>
+                <a:cs typeface="+mn-cs"/>
+              </a:defRPr>
+            </a:lvl8pPr>
+            <a:lvl9pPr marL="3657600" algn="l" defTabSz="457200" rtl="0" eaLnBrk="1" latinLnBrk="0" hangingPunct="1">
+              <a:defRPr sz="1800" kern="1200">
+                <a:solidFill>
+                  <a:schemeClr val="tx1"/>
+                </a:solidFill>
+                <a:latin typeface="+mn-lt"/>
+                <a:ea typeface="+mn-ea"/>
+                <a:cs typeface="+mn-cs"/>
+              </a:defRPr>
+            </a:lvl9pPr>
+          </a:lstStyle>
+          <a:p>
+            <a:r>
+              <a:rPr lang="en-US" dirty="0"/>
+              <a:t>7</a:t>
+            </a:r>
+          </a:p>
+        </p:txBody>
+      </p:sp>
+      <p:pic>
+        <p:nvPicPr>
+          <p:cNvPr id="12" name="Picture 11"/>
+          <p:cNvPicPr>
+            <a:picLocks noChangeAspect="1"/>
+          </p:cNvPicPr>
+          <p:nvPr/>
+        </p:nvPicPr>
+        <p:blipFill>
+          <a:blip r:embed="rId2"/>
+          <a:stretch>
+            <a:fillRect/>
+          </a:stretch>
+        </p:blipFill>
+        <p:spPr>
+          <a:xfrm>
+            <a:off x="1351555" y="1429079"/>
+            <a:ext cx="9485714" cy="4714286"/>
+          </a:xfrm>
+          <a:prstGeom prst="rect">
+            <a:avLst/>
+          </a:prstGeom>
+        </p:spPr>
+      </p:pic>
+    </p:spTree>
+    <p:extLst>
+      <p:ext uri="{BB962C8B-B14F-4D97-AF65-F5344CB8AC3E}">
+        <p14:creationId xmlns:p14="http://schemas.microsoft.com/office/powerpoint/2010/main" val="1436421425"/>
+      </p:ext>
+    </p:extLst>
+  </p:cSld>
+  <p:clrMapOvr>
+    <a:masterClrMapping/>
+  </p:clrMapOvr>
+</p:sld>
+</file>
+
+<file path=ppt/slides/slide8.xml><?xml version="1.0" encoding="utf-8"?>
+<p:sld xmlns:a="http://schemas.openxmlformats.org/drawingml/2006/main" xmlns:r="http://schemas.openxmlformats.org/officeDocument/2006/relationships" xmlns:p="http://schemas.openxmlformats.org/presentationml/2006/main">
+  <p:cSld>
+    <p:spTree>
+      <p:nvGrpSpPr>
+        <p:cNvPr id="1" name=""/>
+        <p:cNvGrpSpPr/>
+        <p:nvPr/>
+      </p:nvGrpSpPr>
+      <p:grpSpPr>
+        <a:xfrm>
+          <a:off x="0" y="0"/>
+          <a:ext cx="0" cy="0"/>
+          <a:chOff x="0" y="0"/>
+          <a:chExt cx="0" cy="0"/>
+        </a:xfrm>
+      </p:grpSpPr>
+      <p:sp>
+        <p:nvSpPr>
+          <p:cNvPr id="8" name="Title 7"/>
+          <p:cNvSpPr>
+            <a:spLocks noGrp="1"/>
+          </p:cNvSpPr>
+          <p:nvPr>
+            <p:ph type="ctrTitle"/>
+          </p:nvPr>
+        </p:nvSpPr>
+        <p:spPr>
+          <a:xfrm>
+            <a:off x="1876424" y="1122363"/>
+            <a:ext cx="8791575" cy="1501567"/>
+          </a:xfrm>
+        </p:spPr>
+        <p:txBody>
+          <a:bodyPr/>
+          <a:lstStyle/>
+          <a:p>
+            <a:pPr algn="ctr"/>
+            <a:r>
+              <a:rPr lang="en-US" dirty="0" smtClean="0"/>
+              <a:t>Thank you!</a:t>
+            </a:r>
+            <a:endParaRPr lang="en-US" dirty="0"/>
+          </a:p>
+        </p:txBody>
+      </p:sp>
+      <p:sp>
+        <p:nvSpPr>
+          <p:cNvPr id="2" name="Subtitle 1"/>
+          <p:cNvSpPr>
+            <a:spLocks noGrp="1"/>
+          </p:cNvSpPr>
+          <p:nvPr>
+            <p:ph type="subTitle" idx="1"/>
+          </p:nvPr>
+        </p:nvSpPr>
+        <p:spPr/>
+        <p:txBody>
+          <a:bodyPr/>
+          <a:lstStyle/>
+          <a:p>
+            <a:r>
+              <a:rPr lang="en-US" dirty="0" smtClean="0"/>
+              <a:t>Contact Info:</a:t>
+            </a:r>
+          </a:p>
+          <a:p>
+            <a:r>
+              <a:rPr lang="en-US" dirty="0"/>
+              <a:t>	</a:t>
+            </a:r>
+            <a:r>
+              <a:rPr lang="en-US" dirty="0" smtClean="0"/>
+              <a:t>Email – </a:t>
+            </a:r>
+            <a:r>
+              <a:rPr lang="en-US" dirty="0" smtClean="0">
+                <a:hlinkClick r:id="rId2"/>
+              </a:rPr>
+              <a:t>Dan.Walker1990@outlook.com</a:t>
+            </a:r>
+            <a:endParaRPr lang="en-US" dirty="0" smtClean="0"/>
+          </a:p>
+          <a:p>
+            <a:r>
+              <a:rPr lang="en-US" dirty="0"/>
+              <a:t>	</a:t>
+            </a:r>
+            <a:r>
+              <a:rPr lang="en-US" dirty="0" smtClean="0"/>
+              <a:t>Phone – 810-434-3595</a:t>
+            </a:r>
+            <a:endParaRPr lang="en-US" dirty="0"/>
+          </a:p>
+        </p:txBody>
+      </p:sp>
+      <p:sp>
+        <p:nvSpPr>
+          <p:cNvPr id="7" name="Footer Placeholder 7"/>
+          <p:cNvSpPr txBox="1">
+            <a:spLocks/>
+          </p:cNvSpPr>
+          <p:nvPr/>
+        </p:nvSpPr>
+        <p:spPr>
+          <a:xfrm>
+            <a:off x="67986" y="6408061"/>
+            <a:ext cx="925928" cy="365125"/>
+          </a:xfrm>
+          <a:prstGeom prst="rect">
+            <a:avLst/>
+          </a:prstGeom>
+        </p:spPr>
+        <p:txBody>
+          <a:bodyPr vert="horz" lIns="91440" tIns="45720" rIns="91440" bIns="45720" rtlCol="0" anchor="ctr"/>
+          <a:lstStyle>
+            <a:defPPr>
+              <a:defRPr lang="en-US"/>
+            </a:defPPr>
+            <a:lvl1pPr marL="0" algn="l" defTabSz="457200" rtl="0" eaLnBrk="1" latinLnBrk="0" hangingPunct="1">
+              <a:defRPr sz="1050" kern="1200" cap="all" baseline="0">
+                <a:solidFill>
+                  <a:schemeClr val="tx1">
+                    <a:tint val="75000"/>
+                  </a:schemeClr>
+                </a:solidFill>
+                <a:latin typeface="+mn-lt"/>
+                <a:ea typeface="+mn-ea"/>
+                <a:cs typeface="+mn-cs"/>
+              </a:defRPr>
+            </a:lvl1pPr>
+            <a:lvl2pPr marL="457200" algn="l" defTabSz="457200" rtl="0" eaLnBrk="1" latinLnBrk="0" hangingPunct="1">
+              <a:defRPr sz="1800" kern="1200">
+                <a:solidFill>
+                  <a:schemeClr val="tx1"/>
+                </a:solidFill>
+                <a:latin typeface="+mn-lt"/>
+                <a:ea typeface="+mn-ea"/>
+                <a:cs typeface="+mn-cs"/>
+              </a:defRPr>
+            </a:lvl2pPr>
+            <a:lvl3pPr marL="914400" algn="l" defTabSz="457200" rtl="0" eaLnBrk="1" latinLnBrk="0" hangingPunct="1">
+              <a:defRPr sz="1800" kern="1200">
+                <a:solidFill>
+                  <a:schemeClr val="tx1"/>
+                </a:solidFill>
+                <a:latin typeface="+mn-lt"/>
+                <a:ea typeface="+mn-ea"/>
+                <a:cs typeface="+mn-cs"/>
+              </a:defRPr>
+            </a:lvl3pPr>
+            <a:lvl4pPr marL="1371600" algn="l" defTabSz="457200" rtl="0" eaLnBrk="1" latinLnBrk="0" hangingPunct="1">
+              <a:defRPr sz="1800" kern="1200">
+                <a:solidFill>
+                  <a:schemeClr val="tx1"/>
+                </a:solidFill>
+                <a:latin typeface="+mn-lt"/>
+                <a:ea typeface="+mn-ea"/>
+                <a:cs typeface="+mn-cs"/>
+              </a:defRPr>
+            </a:lvl4pPr>
+            <a:lvl5pPr marL="1828800" algn="l" defTabSz="457200" rtl="0" eaLnBrk="1" latinLnBrk="0" hangingPunct="1">
+              <a:defRPr sz="1800" kern="1200">
+                <a:solidFill>
+                  <a:schemeClr val="tx1"/>
+                </a:solidFill>
+                <a:latin typeface="+mn-lt"/>
+                <a:ea typeface="+mn-ea"/>
+                <a:cs typeface="+mn-cs"/>
+              </a:defRPr>
+            </a:lvl5pPr>
+            <a:lvl6pPr marL="2286000" algn="l" defTabSz="457200" rtl="0" eaLnBrk="1" latinLnBrk="0" hangingPunct="1">
+              <a:defRPr sz="1800" kern="1200">
+                <a:solidFill>
+                  <a:schemeClr val="tx1"/>
+                </a:solidFill>
+                <a:latin typeface="+mn-lt"/>
+                <a:ea typeface="+mn-ea"/>
+                <a:cs typeface="+mn-cs"/>
+              </a:defRPr>
+            </a:lvl6pPr>
+            <a:lvl7pPr marL="2743200" algn="l" defTabSz="457200" rtl="0" eaLnBrk="1" latinLnBrk="0" hangingPunct="1">
+              <a:defRPr sz="1800" kern="1200">
+                <a:solidFill>
+                  <a:schemeClr val="tx1"/>
+                </a:solidFill>
+                <a:latin typeface="+mn-lt"/>
+                <a:ea typeface="+mn-ea"/>
+                <a:cs typeface="+mn-cs"/>
+              </a:defRPr>
+            </a:lvl7pPr>
+            <a:lvl8pPr marL="3200400" algn="l" defTabSz="457200" rtl="0" eaLnBrk="1" latinLnBrk="0" hangingPunct="1">
+              <a:defRPr sz="1800" kern="1200">
+                <a:solidFill>
+                  <a:schemeClr val="tx1"/>
+                </a:solidFill>
+                <a:latin typeface="+mn-lt"/>
+                <a:ea typeface="+mn-ea"/>
+                <a:cs typeface="+mn-cs"/>
+              </a:defRPr>
+            </a:lvl8pPr>
+            <a:lvl9pPr marL="3657600" algn="l" defTabSz="457200" rtl="0" eaLnBrk="1" latinLnBrk="0" hangingPunct="1">
+              <a:defRPr sz="1800" kern="1200">
+                <a:solidFill>
+                  <a:schemeClr val="tx1"/>
+                </a:solidFill>
+                <a:latin typeface="+mn-lt"/>
+                <a:ea typeface="+mn-ea"/>
+                <a:cs typeface="+mn-cs"/>
+              </a:defRPr>
+            </a:lvl9pPr>
+          </a:lstStyle>
+          <a:p>
+            <a:fld id="{D7EE79A3-D0F4-4713-B590-7B8664CEA6FA}" type="datetime1">
+              <a:rPr lang="en-US" smtClean="0"/>
+              <a:pPr/>
+              <a:t>5/21/2021</a:t>
+            </a:fld>
+            <a:endParaRPr lang="en-US" dirty="0"/>
+          </a:p>
+        </p:txBody>
+      </p:sp>
+      <p:sp>
+        <p:nvSpPr>
+          <p:cNvPr id="9" name="Slide Number Placeholder 8"/>
+          <p:cNvSpPr txBox="1">
+            <a:spLocks/>
+          </p:cNvSpPr>
+          <p:nvPr/>
+        </p:nvSpPr>
+        <p:spPr>
+          <a:xfrm>
+            <a:off x="11302039" y="6408060"/>
+            <a:ext cx="771089" cy="365125"/>
+          </a:xfrm>
+          <a:prstGeom prst="rect">
+            <a:avLst/>
+          </a:prstGeom>
+        </p:spPr>
+        <p:txBody>
+          <a:bodyPr vert="horz" lIns="91440" tIns="45720" rIns="91440" bIns="45720" rtlCol="0" anchor="ctr"/>
+          <a:lstStyle>
+            <a:defPPr>
+              <a:defRPr lang="en-US"/>
+            </a:defPPr>
+            <a:lvl1pPr marL="0" algn="r" defTabSz="457200" rtl="0" eaLnBrk="1" latinLnBrk="0" hangingPunct="1">
+              <a:defRPr sz="1050" kern="1200">
+                <a:solidFill>
+                  <a:schemeClr val="tx1">
+                    <a:tint val="75000"/>
+                  </a:schemeClr>
+                </a:solidFill>
+                <a:latin typeface="+mn-lt"/>
+                <a:ea typeface="+mn-ea"/>
+                <a:cs typeface="+mn-cs"/>
+              </a:defRPr>
+            </a:lvl1pPr>
+            <a:lvl2pPr marL="457200" algn="l" defTabSz="457200" rtl="0" eaLnBrk="1" latinLnBrk="0" hangingPunct="1">
+              <a:defRPr sz="1800" kern="1200">
+                <a:solidFill>
+                  <a:schemeClr val="tx1"/>
+                </a:solidFill>
+                <a:latin typeface="+mn-lt"/>
+                <a:ea typeface="+mn-ea"/>
+                <a:cs typeface="+mn-cs"/>
+              </a:defRPr>
+            </a:lvl2pPr>
+            <a:lvl3pPr marL="914400" algn="l" defTabSz="457200" rtl="0" eaLnBrk="1" latinLnBrk="0" hangingPunct="1">
+              <a:defRPr sz="1800" kern="1200">
+                <a:solidFill>
+                  <a:schemeClr val="tx1"/>
+                </a:solidFill>
+                <a:latin typeface="+mn-lt"/>
+                <a:ea typeface="+mn-ea"/>
+                <a:cs typeface="+mn-cs"/>
+              </a:defRPr>
+            </a:lvl3pPr>
+            <a:lvl4pPr marL="1371600" algn="l" defTabSz="457200" rtl="0" eaLnBrk="1" latinLnBrk="0" hangingPunct="1">
+              <a:defRPr sz="1800" kern="1200">
+                <a:solidFill>
+                  <a:schemeClr val="tx1"/>
+                </a:solidFill>
+                <a:latin typeface="+mn-lt"/>
+                <a:ea typeface="+mn-ea"/>
+                <a:cs typeface="+mn-cs"/>
+              </a:defRPr>
+            </a:lvl4pPr>
+            <a:lvl5pPr marL="1828800" algn="l" defTabSz="457200" rtl="0" eaLnBrk="1" latinLnBrk="0" hangingPunct="1">
+              <a:defRPr sz="1800" kern="1200">
+                <a:solidFill>
+                  <a:schemeClr val="tx1"/>
+                </a:solidFill>
+                <a:latin typeface="+mn-lt"/>
+                <a:ea typeface="+mn-ea"/>
+                <a:cs typeface="+mn-cs"/>
+              </a:defRPr>
+            </a:lvl5pPr>
+            <a:lvl6pPr marL="2286000" algn="l" defTabSz="457200" rtl="0" eaLnBrk="1" latinLnBrk="0" hangingPunct="1">
+              <a:defRPr sz="1800" kern="1200">
+                <a:solidFill>
+                  <a:schemeClr val="tx1"/>
+                </a:solidFill>
+                <a:latin typeface="+mn-lt"/>
+                <a:ea typeface="+mn-ea"/>
+                <a:cs typeface="+mn-cs"/>
+              </a:defRPr>
+            </a:lvl6pPr>
+            <a:lvl7pPr marL="2743200" algn="l" defTabSz="457200" rtl="0" eaLnBrk="1" latinLnBrk="0" hangingPunct="1">
+              <a:defRPr sz="1800" kern="1200">
+                <a:solidFill>
+                  <a:schemeClr val="tx1"/>
+                </a:solidFill>
+                <a:latin typeface="+mn-lt"/>
+                <a:ea typeface="+mn-ea"/>
+                <a:cs typeface="+mn-cs"/>
+              </a:defRPr>
+            </a:lvl7pPr>
+            <a:lvl8pPr marL="3200400" algn="l" defTabSz="457200" rtl="0" eaLnBrk="1" latinLnBrk="0" hangingPunct="1">
+              <a:defRPr sz="1800" kern="1200">
+                <a:solidFill>
+                  <a:schemeClr val="tx1"/>
+                </a:solidFill>
+                <a:latin typeface="+mn-lt"/>
+                <a:ea typeface="+mn-ea"/>
+                <a:cs typeface="+mn-cs"/>
+              </a:defRPr>
+            </a:lvl8pPr>
+            <a:lvl9pPr marL="3657600" algn="l" defTabSz="457200" rtl="0" eaLnBrk="1" latinLnBrk="0" hangingPunct="1">
+              <a:defRPr sz="1800" kern="1200">
+                <a:solidFill>
+                  <a:schemeClr val="tx1"/>
+                </a:solidFill>
+                <a:latin typeface="+mn-lt"/>
+                <a:ea typeface="+mn-ea"/>
+                <a:cs typeface="+mn-cs"/>
+              </a:defRPr>
+            </a:lvl9pPr>
+          </a:lstStyle>
+          <a:p>
+            <a:fld id="{6D22F896-40B5-4ADD-8801-0D06FADFA095}" type="slidenum">
+              <a:rPr lang="en-US" smtClean="0"/>
+              <a:pPr/>
+              <a:t>8</a:t>
+            </a:fld>
+            <a:endParaRPr lang="en-US" dirty="0"/>
+          </a:p>
+        </p:txBody>
+      </p:sp>
+    </p:spTree>
+    <p:extLst>
+      <p:ext uri="{BB962C8B-B14F-4D97-AF65-F5344CB8AC3E}">
+        <p14:creationId xmlns:p14="http://schemas.microsoft.com/office/powerpoint/2010/main" val="1057793216"/>
       </p:ext>
     </p:extLst>
   </p:cSld>
@@ -13253,4 +15703,526 @@
     </a:ext>
   </a:extLst>
 </a:theme>
+</file>
+
+<file path=ppt/theme/theme2.xml><?xml version="1.0" encoding="utf-8"?>
+<a:theme xmlns:a="http://schemas.openxmlformats.org/drawingml/2006/main" name="Office Theme">
+  <a:themeElements>
+    <a:clrScheme name="Office">
+      <a:dk1>
+        <a:sysClr val="windowText" lastClr="000000"/>
+      </a:dk1>
+      <a:lt1>
+        <a:sysClr val="window" lastClr="FFFFFF"/>
+      </a:lt1>
+      <a:dk2>
+        <a:srgbClr val="44546A"/>
+      </a:dk2>
+      <a:lt2>
+        <a:srgbClr val="E7E6E6"/>
+      </a:lt2>
+      <a:accent1>
+        <a:srgbClr val="5B9BD5"/>
+      </a:accent1>
+      <a:accent2>
+        <a:srgbClr val="ED7D31"/>
+      </a:accent2>
+      <a:accent3>
+        <a:srgbClr val="A5A5A5"/>
+      </a:accent3>
+      <a:accent4>
+        <a:srgbClr val="FFC000"/>
+      </a:accent4>
+      <a:accent5>
+        <a:srgbClr val="4472C4"/>
+      </a:accent5>
+      <a:accent6>
+        <a:srgbClr val="70AD47"/>
+      </a:accent6>
+      <a:hlink>
+        <a:srgbClr val="0563C1"/>
+      </a:hlink>
+      <a:folHlink>
+        <a:srgbClr val="954F72"/>
+      </a:folHlink>
+    </a:clrScheme>
+    <a:fontScheme name="Office">
+      <a:majorFont>
+        <a:latin typeface="Calibri Light" panose="020F0302020204030204"/>
+        <a:ea typeface=""/>
+        <a:cs typeface=""/>
+        <a:font script="Jpan" typeface="ＭＳ Ｐゴシック"/>
+        <a:font script="Hang" typeface="맑은 고딕"/>
+        <a:font script="Hans" typeface="宋体"/>
+        <a:font script="Hant" typeface="新細明體"/>
+        <a:font script="Arab" typeface="Times New Roman"/>
+        <a:font script="Hebr" typeface="Times New Roman"/>
+        <a:font script="Thai" typeface="Angsana New"/>
+        <a:font script="Ethi" typeface="Nyala"/>
+        <a:font script="Beng" typeface="Vrinda"/>
+        <a:font script="Gujr" typeface="Shruti"/>
+        <a:font script="Khmr" typeface="MoolBoran"/>
+        <a:font script="Knda" typeface="Tunga"/>
+        <a:font script="Guru" typeface="Raavi"/>
+        <a:font script="Cans" typeface="Euphemia"/>
+        <a:font script="Cher" typeface="Plantagenet Cherokee"/>
+        <a:font script="Yiii" typeface="Microsoft Yi Baiti"/>
+        <a:font script="Tibt" typeface="Microsoft Himalaya"/>
+        <a:font script="Thaa" typeface="MV Boli"/>
+        <a:font script="Deva" typeface="Mangal"/>
+        <a:font script="Telu" typeface="Gautami"/>
+        <a:font script="Taml" typeface="Latha"/>
+        <a:font script="Syrc" typeface="Estrangelo Edessa"/>
+        <a:font script="Orya" typeface="Kalinga"/>
+        <a:font script="Mlym" typeface="Kartika"/>
+        <a:font script="Laoo" typeface="DokChampa"/>
+        <a:font script="Sinh" typeface="Iskoola Pota"/>
+        <a:font script="Mong" typeface="Mongolian Baiti"/>
+        <a:font script="Viet" typeface="Times New Roman"/>
+        <a:font script="Uigh" typeface="Microsoft Uighur"/>
+        <a:font script="Geor" typeface="Sylfaen"/>
+      </a:majorFont>
+      <a:minorFont>
+        <a:latin typeface="Calibri" panose="020F0502020204030204"/>
+        <a:ea typeface=""/>
+        <a:cs typeface=""/>
+        <a:font script="Jpan" typeface="ＭＳ Ｐゴシック"/>
+        <a:font script="Hang" typeface="맑은 고딕"/>
+        <a:font script="Hans" typeface="宋体"/>
+        <a:font script="Hant" typeface="新細明體"/>
+        <a:font script="Arab" typeface="Arial"/>
+        <a:font script="Hebr" typeface="Arial"/>
+        <a:font script="Thai" typeface="Cordia New"/>
+        <a:font script="Ethi" typeface="Nyala"/>
+        <a:font script="Beng" typeface="Vrinda"/>
+        <a:font script="Gujr" typeface="Shruti"/>
+        <a:font script="Khmr" typeface="DaunPenh"/>
+        <a:font script="Knda" typeface="Tunga"/>
+        <a:font script="Guru" typeface="Raavi"/>
+        <a:font script="Cans" typeface="Euphemia"/>
+        <a:font script="Cher" typeface="Plantagenet Cherokee"/>
+        <a:font script="Yiii" typeface="Microsoft Yi Baiti"/>
+        <a:font script="Tibt" typeface="Microsoft Himalaya"/>
+        <a:font script="Thaa" typeface="MV Boli"/>
+        <a:font script="Deva" typeface="Mangal"/>
+        <a:font script="Telu" typeface="Gautami"/>
+        <a:font script="Taml" typeface="Latha"/>
+        <a:font script="Syrc" typeface="Estrangelo Edessa"/>
+        <a:font script="Orya" typeface="Kalinga"/>
+        <a:font script="Mlym" typeface="Kartika"/>
+        <a:font script="Laoo" typeface="DokChampa"/>
+        <a:font script="Sinh" typeface="Iskoola Pota"/>
+        <a:font script="Mong" typeface="Mongolian Baiti"/>
+        <a:font script="Viet" typeface="Arial"/>
+        <a:font script="Uigh" typeface="Microsoft Uighur"/>
+        <a:font script="Geor" typeface="Sylfaen"/>
+      </a:minorFont>
+    </a:fontScheme>
+    <a:fmtScheme name="Office">
+      <a:fillStyleLst>
+        <a:solidFill>
+          <a:schemeClr val="phClr"/>
+        </a:solidFill>
+        <a:gradFill rotWithShape="1">
+          <a:gsLst>
+            <a:gs pos="0">
+              <a:schemeClr val="phClr">
+                <a:lumMod val="110000"/>
+                <a:satMod val="105000"/>
+                <a:tint val="67000"/>
+              </a:schemeClr>
+            </a:gs>
+            <a:gs pos="50000">
+              <a:schemeClr val="phClr">
+                <a:lumMod val="105000"/>
+                <a:satMod val="103000"/>
+                <a:tint val="73000"/>
+              </a:schemeClr>
+            </a:gs>
+            <a:gs pos="100000">
+              <a:schemeClr val="phClr">
+                <a:lumMod val="105000"/>
+                <a:satMod val="109000"/>
+                <a:tint val="81000"/>
+              </a:schemeClr>
+            </a:gs>
+          </a:gsLst>
+          <a:lin ang="5400000" scaled="0"/>
+        </a:gradFill>
+        <a:gradFill rotWithShape="1">
+          <a:gsLst>
+            <a:gs pos="0">
+              <a:schemeClr val="phClr">
+                <a:satMod val="103000"/>
+                <a:lumMod val="102000"/>
+                <a:tint val="94000"/>
+              </a:schemeClr>
+            </a:gs>
+            <a:gs pos="50000">
+              <a:schemeClr val="phClr">
+                <a:satMod val="110000"/>
+                <a:lumMod val="100000"/>
+                <a:shade val="100000"/>
+              </a:schemeClr>
+            </a:gs>
+            <a:gs pos="100000">
+              <a:schemeClr val="phClr">
+                <a:lumMod val="99000"/>
+                <a:satMod val="120000"/>
+                <a:shade val="78000"/>
+              </a:schemeClr>
+            </a:gs>
+          </a:gsLst>
+          <a:lin ang="5400000" scaled="0"/>
+        </a:gradFill>
+      </a:fillStyleLst>
+      <a:lnStyleLst>
+        <a:ln w="6350" cap="flat" cmpd="sng" algn="ctr">
+          <a:solidFill>
+            <a:schemeClr val="phClr"/>
+          </a:solidFill>
+          <a:prstDash val="solid"/>
+          <a:miter lim="800000"/>
+        </a:ln>
+        <a:ln w="12700" cap="flat" cmpd="sng" algn="ctr">
+          <a:solidFill>
+            <a:schemeClr val="phClr"/>
+          </a:solidFill>
+          <a:prstDash val="solid"/>
+          <a:miter lim="800000"/>
+        </a:ln>
+        <a:ln w="19050" cap="flat" cmpd="sng" algn="ctr">
+          <a:solidFill>
+            <a:schemeClr val="phClr"/>
+          </a:solidFill>
+          <a:prstDash val="solid"/>
+          <a:miter lim="800000"/>
+        </a:ln>
+      </a:lnStyleLst>
+      <a:effectStyleLst>
+        <a:effectStyle>
+          <a:effectLst/>
+        </a:effectStyle>
+        <a:effectStyle>
+          <a:effectLst/>
+        </a:effectStyle>
+        <a:effectStyle>
+          <a:effectLst>
+            <a:outerShdw blurRad="57150" dist="19050" dir="5400000" algn="ctr" rotWithShape="0">
+              <a:srgbClr val="000000">
+                <a:alpha val="63000"/>
+              </a:srgbClr>
+            </a:outerShdw>
+          </a:effectLst>
+        </a:effectStyle>
+      </a:effectStyleLst>
+      <a:bgFillStyleLst>
+        <a:solidFill>
+          <a:schemeClr val="phClr"/>
+        </a:solidFill>
+        <a:solidFill>
+          <a:schemeClr val="phClr">
+            <a:tint val="95000"/>
+            <a:satMod val="170000"/>
+          </a:schemeClr>
+        </a:solidFill>
+        <a:gradFill rotWithShape="1">
+          <a:gsLst>
+            <a:gs pos="0">
+              <a:schemeClr val="phClr">
+                <a:tint val="93000"/>
+                <a:satMod val="150000"/>
+                <a:shade val="98000"/>
+                <a:lumMod val="102000"/>
+              </a:schemeClr>
+            </a:gs>
+            <a:gs pos="50000">
+              <a:schemeClr val="phClr">
+                <a:tint val="98000"/>
+                <a:satMod val="130000"/>
+                <a:shade val="90000"/>
+                <a:lumMod val="103000"/>
+              </a:schemeClr>
+            </a:gs>
+            <a:gs pos="100000">
+              <a:schemeClr val="phClr">
+                <a:shade val="63000"/>
+                <a:satMod val="120000"/>
+              </a:schemeClr>
+            </a:gs>
+          </a:gsLst>
+          <a:lin ang="5400000" scaled="0"/>
+        </a:gradFill>
+      </a:bgFillStyleLst>
+    </a:fmtScheme>
+  </a:themeElements>
+  <a:objectDefaults/>
+  <a:extraClrSchemeLst/>
+  <a:extLst>
+    <a:ext uri="{05A4C25C-085E-4340-85A3-A5531E510DB2}">
+      <thm15:themeFamily xmlns:thm15="http://schemas.microsoft.com/office/thememl/2012/main" name="Office Theme" id="{62F939B6-93AF-4DB8-9C6B-D6C7DFDC589F}" vid="{4A3C46E8-61CC-4603-A589-7422A47A8E4A}"/>
+    </a:ext>
+  </a:extLst>
+</a:theme>
+</file>
+
+<file path=ppt/theme/theme3.xml><?xml version="1.0" encoding="utf-8"?>
+<a:theme xmlns:a="http://schemas.openxmlformats.org/drawingml/2006/main" name="Office Theme">
+  <a:themeElements>
+    <a:clrScheme name="Office">
+      <a:dk1>
+        <a:sysClr val="windowText" lastClr="000000"/>
+      </a:dk1>
+      <a:lt1>
+        <a:sysClr val="window" lastClr="FFFFFF"/>
+      </a:lt1>
+      <a:dk2>
+        <a:srgbClr val="44546A"/>
+      </a:dk2>
+      <a:lt2>
+        <a:srgbClr val="E7E6E6"/>
+      </a:lt2>
+      <a:accent1>
+        <a:srgbClr val="5B9BD5"/>
+      </a:accent1>
+      <a:accent2>
+        <a:srgbClr val="ED7D31"/>
+      </a:accent2>
+      <a:accent3>
+        <a:srgbClr val="A5A5A5"/>
+      </a:accent3>
+      <a:accent4>
+        <a:srgbClr val="FFC000"/>
+      </a:accent4>
+      <a:accent5>
+        <a:srgbClr val="4472C4"/>
+      </a:accent5>
+      <a:accent6>
+        <a:srgbClr val="70AD47"/>
+      </a:accent6>
+      <a:hlink>
+        <a:srgbClr val="0563C1"/>
+      </a:hlink>
+      <a:folHlink>
+        <a:srgbClr val="954F72"/>
+      </a:folHlink>
+    </a:clrScheme>
+    <a:fontScheme name="Office">
+      <a:majorFont>
+        <a:latin typeface="Calibri Light" panose="020F0302020204030204"/>
+        <a:ea typeface=""/>
+        <a:cs typeface=""/>
+        <a:font script="Jpan" typeface="ＭＳ Ｐゴシック"/>
+        <a:font script="Hang" typeface="맑은 고딕"/>
+        <a:font script="Hans" typeface="宋体"/>
+        <a:font script="Hant" typeface="新細明體"/>
+        <a:font script="Arab" typeface="Times New Roman"/>
+        <a:font script="Hebr" typeface="Times New Roman"/>
+        <a:font script="Thai" typeface="Angsana New"/>
+        <a:font script="Ethi" typeface="Nyala"/>
+        <a:font script="Beng" typeface="Vrinda"/>
+        <a:font script="Gujr" typeface="Shruti"/>
+        <a:font script="Khmr" typeface="MoolBoran"/>
+        <a:font script="Knda" typeface="Tunga"/>
+        <a:font script="Guru" typeface="Raavi"/>
+        <a:font script="Cans" typeface="Euphemia"/>
+        <a:font script="Cher" typeface="Plantagenet Cherokee"/>
+        <a:font script="Yiii" typeface="Microsoft Yi Baiti"/>
+        <a:font script="Tibt" typeface="Microsoft Himalaya"/>
+        <a:font script="Thaa" typeface="MV Boli"/>
+        <a:font script="Deva" typeface="Mangal"/>
+        <a:font script="Telu" typeface="Gautami"/>
+        <a:font script="Taml" typeface="Latha"/>
+        <a:font script="Syrc" typeface="Estrangelo Edessa"/>
+        <a:font script="Orya" typeface="Kalinga"/>
+        <a:font script="Mlym" typeface="Kartika"/>
+        <a:font script="Laoo" typeface="DokChampa"/>
+        <a:font script="Sinh" typeface="Iskoola Pota"/>
+        <a:font script="Mong" typeface="Mongolian Baiti"/>
+        <a:font script="Viet" typeface="Times New Roman"/>
+        <a:font script="Uigh" typeface="Microsoft Uighur"/>
+        <a:font script="Geor" typeface="Sylfaen"/>
+      </a:majorFont>
+      <a:minorFont>
+        <a:latin typeface="Calibri" panose="020F0502020204030204"/>
+        <a:ea typeface=""/>
+        <a:cs typeface=""/>
+        <a:font script="Jpan" typeface="ＭＳ Ｐゴシック"/>
+        <a:font script="Hang" typeface="맑은 고딕"/>
+        <a:font script="Hans" typeface="宋体"/>
+        <a:font script="Hant" typeface="新細明體"/>
+        <a:font script="Arab" typeface="Arial"/>
+        <a:font script="Hebr" typeface="Arial"/>
+        <a:font script="Thai" typeface="Cordia New"/>
+        <a:font script="Ethi" typeface="Nyala"/>
+        <a:font script="Beng" typeface="Vrinda"/>
+        <a:font script="Gujr" typeface="Shruti"/>
+        <a:font script="Khmr" typeface="DaunPenh"/>
+        <a:font script="Knda" typeface="Tunga"/>
+        <a:font script="Guru" typeface="Raavi"/>
+        <a:font script="Cans" typeface="Euphemia"/>
+        <a:font script="Cher" typeface="Plantagenet Cherokee"/>
+        <a:font script="Yiii" typeface="Microsoft Yi Baiti"/>
+        <a:font script="Tibt" typeface="Microsoft Himalaya"/>
+        <a:font script="Thaa" typeface="MV Boli"/>
+        <a:font script="Deva" typeface="Mangal"/>
+        <a:font script="Telu" typeface="Gautami"/>
+        <a:font script="Taml" typeface="Latha"/>
+        <a:font script="Syrc" typeface="Estrangelo Edessa"/>
+        <a:font script="Orya" typeface="Kalinga"/>
+        <a:font script="Mlym" typeface="Kartika"/>
+        <a:font script="Laoo" typeface="DokChampa"/>
+        <a:font script="Sinh" typeface="Iskoola Pota"/>
+        <a:font script="Mong" typeface="Mongolian Baiti"/>
+        <a:font script="Viet" typeface="Arial"/>
+        <a:font script="Uigh" typeface="Microsoft Uighur"/>
+        <a:font script="Geor" typeface="Sylfaen"/>
+      </a:minorFont>
+    </a:fontScheme>
+    <a:fmtScheme name="Office">
+      <a:fillStyleLst>
+        <a:solidFill>
+          <a:schemeClr val="phClr"/>
+        </a:solidFill>
+        <a:gradFill rotWithShape="1">
+          <a:gsLst>
+            <a:gs pos="0">
+              <a:schemeClr val="phClr">
+                <a:lumMod val="110000"/>
+                <a:satMod val="105000"/>
+                <a:tint val="67000"/>
+              </a:schemeClr>
+            </a:gs>
+            <a:gs pos="50000">
+              <a:schemeClr val="phClr">
+                <a:lumMod val="105000"/>
+                <a:satMod val="103000"/>
+                <a:tint val="73000"/>
+              </a:schemeClr>
+            </a:gs>
+            <a:gs pos="100000">
+              <a:schemeClr val="phClr">
+                <a:lumMod val="105000"/>
+                <a:satMod val="109000"/>
+                <a:tint val="81000"/>
+              </a:schemeClr>
+            </a:gs>
+          </a:gsLst>
+          <a:lin ang="5400000" scaled="0"/>
+        </a:gradFill>
+        <a:gradFill rotWithShape="1">
+          <a:gsLst>
+            <a:gs pos="0">
+              <a:schemeClr val="phClr">
+                <a:satMod val="103000"/>
+                <a:lumMod val="102000"/>
+                <a:tint val="94000"/>
+              </a:schemeClr>
+            </a:gs>
+            <a:gs pos="50000">
+              <a:schemeClr val="phClr">
+                <a:satMod val="110000"/>
+                <a:lumMod val="100000"/>
+                <a:shade val="100000"/>
+              </a:schemeClr>
+            </a:gs>
+            <a:gs pos="100000">
+              <a:schemeClr val="phClr">
+                <a:lumMod val="99000"/>
+                <a:satMod val="120000"/>
+                <a:shade val="78000"/>
+              </a:schemeClr>
+            </a:gs>
+          </a:gsLst>
+          <a:lin ang="5400000" scaled="0"/>
+        </a:gradFill>
+      </a:fillStyleLst>
+      <a:lnStyleLst>
+        <a:ln w="6350" cap="flat" cmpd="sng" algn="ctr">
+          <a:solidFill>
+            <a:schemeClr val="phClr"/>
+          </a:solidFill>
+          <a:prstDash val="solid"/>
+          <a:miter lim="800000"/>
+        </a:ln>
+        <a:ln w="12700" cap="flat" cmpd="sng" algn="ctr">
+          <a:solidFill>
+            <a:schemeClr val="phClr"/>
+          </a:solidFill>
+          <a:prstDash val="solid"/>
+          <a:miter lim="800000"/>
+        </a:ln>
+        <a:ln w="19050" cap="flat" cmpd="sng" algn="ctr">
+          <a:solidFill>
+            <a:schemeClr val="phClr"/>
+          </a:solidFill>
+          <a:prstDash val="solid"/>
+          <a:miter lim="800000"/>
+        </a:ln>
+      </a:lnStyleLst>
+      <a:effectStyleLst>
+        <a:effectStyle>
+          <a:effectLst/>
+        </a:effectStyle>
+        <a:effectStyle>
+          <a:effectLst/>
+        </a:effectStyle>
+        <a:effectStyle>
+          <a:effectLst>
+            <a:outerShdw blurRad="57150" dist="19050" dir="5400000" algn="ctr" rotWithShape="0">
+              <a:srgbClr val="000000">
+                <a:alpha val="63000"/>
+              </a:srgbClr>
+            </a:outerShdw>
+          </a:effectLst>
+        </a:effectStyle>
+      </a:effectStyleLst>
+      <a:bgFillStyleLst>
+        <a:solidFill>
+          <a:schemeClr val="phClr"/>
+        </a:solidFill>
+        <a:solidFill>
+          <a:schemeClr val="phClr">
+            <a:tint val="95000"/>
+            <a:satMod val="170000"/>
+          </a:schemeClr>
+        </a:solidFill>
+        <a:gradFill rotWithShape="1">
+          <a:gsLst>
+            <a:gs pos="0">
+              <a:schemeClr val="phClr">
+                <a:tint val="93000"/>
+                <a:satMod val="150000"/>
+                <a:shade val="98000"/>
+                <a:lumMod val="102000"/>
+              </a:schemeClr>
+            </a:gs>
+            <a:gs pos="50000">
+              <a:schemeClr val="phClr">
+                <a:tint val="98000"/>
+                <a:satMod val="130000"/>
+                <a:shade val="90000"/>
+                <a:lumMod val="103000"/>
+              </a:schemeClr>
+            </a:gs>
+            <a:gs pos="100000">
+              <a:schemeClr val="phClr">
+                <a:shade val="63000"/>
+                <a:satMod val="120000"/>
+              </a:schemeClr>
+            </a:gs>
+          </a:gsLst>
+          <a:lin ang="5400000" scaled="0"/>
+        </a:gradFill>
+      </a:bgFillStyleLst>
+    </a:fmtScheme>
+  </a:themeElements>
+  <a:objectDefaults/>
+  <a:extraClrSchemeLst/>
+  <a:extLst>
+    <a:ext uri="{05A4C25C-085E-4340-85A3-A5531E510DB2}">
+      <thm15:themeFamily xmlns:thm15="http://schemas.microsoft.com/office/thememl/2012/main" name="Office Theme" id="{62F939B6-93AF-4DB8-9C6B-D6C7DFDC589F}" vid="{4A3C46E8-61CC-4603-A589-7422A47A8E4A}"/>
+    </a:ext>
+  </a:extLst>
+</a:theme>
 </file>